--- a/2021/07/apply/ilmuone-data/ppt.pptx
+++ b/2021/07/apply/ilmuone-data/ppt.pptx
@@ -6,7 +6,7 @@
   </p:sldMasterIdLst>
   <p:sldIdLst>
     <p:sldId id="256" r:id="rId2"/>
-    <p:sldId id="262" r:id="rId3"/>
+    <p:sldId id="286" r:id="rId3"/>
     <p:sldId id="263" r:id="rId4"/>
     <p:sldId id="266" r:id="rId5"/>
     <p:sldId id="259" r:id="rId6"/>
@@ -21,6 +21,10 @@
     <p:sldId id="283" r:id="rId15"/>
     <p:sldId id="284" r:id="rId16"/>
     <p:sldId id="285" r:id="rId17"/>
+    <p:sldId id="287" r:id="rId18"/>
+    <p:sldId id="289" r:id="rId19"/>
+    <p:sldId id="290" r:id="rId20"/>
+    <p:sldId id="291" r:id="rId21"/>
   </p:sldIdLst>
   <p:sldSz cx="12192000" cy="6858000"/>
   <p:notesSz cx="6858000" cy="9144000"/>
@@ -119,6 +123,11 @@
       </a:defRPr>
     </a:lvl9pPr>
   </p:defaultTextStyle>
+  <p:extLst>
+    <p:ext uri="{EFAFB233-063F-42B5-8137-9DF3F51BA10A}">
+      <p15:sldGuideLst xmlns:p15="http://schemas.microsoft.com/office/powerpoint/2012/main"/>
+    </p:ext>
+  </p:extLst>
 </p:presentation>
 </file>
 
@@ -271,7 +280,7 @@
           <a:p>
             <a:fld id="{6105C08C-CC7E-4786-BB8F-25C61821C15F}" type="datetimeFigureOut">
               <a:rPr lang="en-ID" smtClean="0"/>
-              <a:t>01/08/2021</a:t>
+              <a:t>02/08/2021</a:t>
             </a:fld>
             <a:endParaRPr lang="en-ID"/>
           </a:p>
@@ -471,7 +480,7 @@
           <a:p>
             <a:fld id="{6105C08C-CC7E-4786-BB8F-25C61821C15F}" type="datetimeFigureOut">
               <a:rPr lang="en-ID" smtClean="0"/>
-              <a:t>01/08/2021</a:t>
+              <a:t>02/08/2021</a:t>
             </a:fld>
             <a:endParaRPr lang="en-ID"/>
           </a:p>
@@ -681,7 +690,7 @@
           <a:p>
             <a:fld id="{6105C08C-CC7E-4786-BB8F-25C61821C15F}" type="datetimeFigureOut">
               <a:rPr lang="en-ID" smtClean="0"/>
-              <a:t>01/08/2021</a:t>
+              <a:t>02/08/2021</a:t>
             </a:fld>
             <a:endParaRPr lang="en-ID"/>
           </a:p>
@@ -881,7 +890,7 @@
           <a:p>
             <a:fld id="{6105C08C-CC7E-4786-BB8F-25C61821C15F}" type="datetimeFigureOut">
               <a:rPr lang="en-ID" smtClean="0"/>
-              <a:t>01/08/2021</a:t>
+              <a:t>02/08/2021</a:t>
             </a:fld>
             <a:endParaRPr lang="en-ID"/>
           </a:p>
@@ -1157,7 +1166,7 @@
           <a:p>
             <a:fld id="{6105C08C-CC7E-4786-BB8F-25C61821C15F}" type="datetimeFigureOut">
               <a:rPr lang="en-ID" smtClean="0"/>
-              <a:t>01/08/2021</a:t>
+              <a:t>02/08/2021</a:t>
             </a:fld>
             <a:endParaRPr lang="en-ID"/>
           </a:p>
@@ -1425,7 +1434,7 @@
           <a:p>
             <a:fld id="{6105C08C-CC7E-4786-BB8F-25C61821C15F}" type="datetimeFigureOut">
               <a:rPr lang="en-ID" smtClean="0"/>
-              <a:t>01/08/2021</a:t>
+              <a:t>02/08/2021</a:t>
             </a:fld>
             <a:endParaRPr lang="en-ID"/>
           </a:p>
@@ -1840,7 +1849,7 @@
           <a:p>
             <a:fld id="{6105C08C-CC7E-4786-BB8F-25C61821C15F}" type="datetimeFigureOut">
               <a:rPr lang="en-ID" smtClean="0"/>
-              <a:t>01/08/2021</a:t>
+              <a:t>02/08/2021</a:t>
             </a:fld>
             <a:endParaRPr lang="en-ID"/>
           </a:p>
@@ -1982,7 +1991,7 @@
           <a:p>
             <a:fld id="{6105C08C-CC7E-4786-BB8F-25C61821C15F}" type="datetimeFigureOut">
               <a:rPr lang="en-ID" smtClean="0"/>
-              <a:t>01/08/2021</a:t>
+              <a:t>02/08/2021</a:t>
             </a:fld>
             <a:endParaRPr lang="en-ID"/>
           </a:p>
@@ -2095,7 +2104,7 @@
           <a:p>
             <a:fld id="{6105C08C-CC7E-4786-BB8F-25C61821C15F}" type="datetimeFigureOut">
               <a:rPr lang="en-ID" smtClean="0"/>
-              <a:t>01/08/2021</a:t>
+              <a:t>02/08/2021</a:t>
             </a:fld>
             <a:endParaRPr lang="en-ID"/>
           </a:p>
@@ -2408,7 +2417,7 @@
           <a:p>
             <a:fld id="{6105C08C-CC7E-4786-BB8F-25C61821C15F}" type="datetimeFigureOut">
               <a:rPr lang="en-ID" smtClean="0"/>
-              <a:t>01/08/2021</a:t>
+              <a:t>02/08/2021</a:t>
             </a:fld>
             <a:endParaRPr lang="en-ID"/>
           </a:p>
@@ -2697,7 +2706,7 @@
           <a:p>
             <a:fld id="{6105C08C-CC7E-4786-BB8F-25C61821C15F}" type="datetimeFigureOut">
               <a:rPr lang="en-ID" smtClean="0"/>
-              <a:t>01/08/2021</a:t>
+              <a:t>02/08/2021</a:t>
             </a:fld>
             <a:endParaRPr lang="en-ID"/>
           </a:p>
@@ -2940,7 +2949,7 @@
           <a:p>
             <a:fld id="{6105C08C-CC7E-4786-BB8F-25C61821C15F}" type="datetimeFigureOut">
               <a:rPr lang="en-ID" smtClean="0"/>
-              <a:t>01/08/2021</a:t>
+              <a:t>02/08/2021</a:t>
             </a:fld>
             <a:endParaRPr lang="en-ID"/>
           </a:p>
@@ -3535,10 +3544,9 @@
           <a:bodyPr/>
           <a:lstStyle/>
           <a:p>
-            <a:pPr algn="ctr"/>
             <a:r>
               <a:rPr lang="en-US" dirty="0"/>
-              <a:t>2010 – 2021 Trend</a:t>
+              <a:t>Year 2010 – 2021 Trend</a:t>
             </a:r>
             <a:endParaRPr lang="en-ID" dirty="0"/>
           </a:p>
@@ -3964,6 +3972,51 @@
           </a:p>
         </p:txBody>
       </p:sp>
+      <p:cxnSp>
+        <p:nvCxnSpPr>
+          <p:cNvPr id="4" name="Straight Arrow Connector 3">
+            <a:extLst>
+              <a:ext uri="{FF2B5EF4-FFF2-40B4-BE49-F238E27FC236}">
+                <a16:creationId xmlns:a16="http://schemas.microsoft.com/office/drawing/2014/main" id="{9BCFD1C5-C3F1-4D7C-8F40-88EB8C94DCD2}"/>
+              </a:ext>
+            </a:extLst>
+          </p:cNvPr>
+          <p:cNvCxnSpPr>
+            <a:cxnSpLocks/>
+            <a:stCxn id="10" idx="6"/>
+          </p:cNvCxnSpPr>
+          <p:nvPr/>
+        </p:nvCxnSpPr>
+        <p:spPr>
+          <a:xfrm>
+            <a:off x="4902614" y="3294384"/>
+            <a:ext cx="324706" cy="0"/>
+          </a:xfrm>
+          <a:prstGeom prst="straightConnector1">
+            <a:avLst/>
+          </a:prstGeom>
+          <a:ln>
+            <a:solidFill>
+              <a:srgbClr val="FF0000"/>
+            </a:solidFill>
+            <a:tailEnd type="triangle"/>
+          </a:ln>
+        </p:spPr>
+        <p:style>
+          <a:lnRef idx="1">
+            <a:schemeClr val="accent6"/>
+          </a:lnRef>
+          <a:fillRef idx="0">
+            <a:schemeClr val="accent6"/>
+          </a:fillRef>
+          <a:effectRef idx="0">
+            <a:schemeClr val="accent6"/>
+          </a:effectRef>
+          <a:fontRef idx="minor">
+            <a:schemeClr val="tx1"/>
+          </a:fontRef>
+        </p:style>
+      </p:cxnSp>
     </p:spTree>
     <p:extLst>
       <p:ext uri="{BB962C8B-B14F-4D97-AF65-F5344CB8AC3E}">
@@ -4181,6 +4234,12 @@
           <a:lstStyle/>
           <a:p>
             <a:pPr marL="0" indent="0" algn="just">
+              <a:lnSpc>
+                <a:spcPct val="100000"/>
+              </a:lnSpc>
+              <a:spcBef>
+                <a:spcPts val="0"/>
+              </a:spcBef>
               <a:buNone/>
             </a:pPr>
             <a:r>
@@ -4325,7 +4384,11 @@
           <a:bodyPr/>
           <a:lstStyle/>
           <a:p>
-            <a:endParaRPr lang="en-ID"/>
+            <a:r>
+              <a:rPr lang="en-US" dirty="0"/>
+              <a:t>Exclusion</a:t>
+            </a:r>
+            <a:endParaRPr lang="en-ID" dirty="0"/>
           </a:p>
         </p:txBody>
       </p:sp>
@@ -4345,19 +4408,1123 @@
             <p:ph idx="1"/>
           </p:nvPr>
         </p:nvSpPr>
-        <p:spPr/>
+        <p:spPr>
+          <a:xfrm>
+            <a:off x="838200" y="1339064"/>
+            <a:ext cx="10515600" cy="498125"/>
+          </a:xfrm>
+        </p:spPr>
         <p:txBody>
           <a:bodyPr/>
           <a:lstStyle/>
           <a:p>
-            <a:endParaRPr lang="en-ID"/>
-          </a:p>
-        </p:txBody>
-      </p:sp>
+            <a:pPr marL="0" indent="0">
+              <a:buNone/>
+            </a:pPr>
+            <a:r>
+              <a:rPr lang="en-US" dirty="0">
+                <a:latin typeface="+mj-lt"/>
+              </a:rPr>
+              <a:t>Bottom 3 maker with the least sales</a:t>
+            </a:r>
+            <a:endParaRPr lang="en-ID" dirty="0">
+              <a:latin typeface="+mj-lt"/>
+            </a:endParaRPr>
+          </a:p>
+        </p:txBody>
+      </p:sp>
+      <p:pic>
+        <p:nvPicPr>
+          <p:cNvPr id="5" name="Picture 4">
+            <a:extLst>
+              <a:ext uri="{FF2B5EF4-FFF2-40B4-BE49-F238E27FC236}">
+                <a16:creationId xmlns:a16="http://schemas.microsoft.com/office/drawing/2014/main" id="{BDEB3B60-092B-4F02-91AC-E7063E1CF492}"/>
+              </a:ext>
+            </a:extLst>
+          </p:cNvPr>
+          <p:cNvPicPr>
+            <a:picLocks noChangeAspect="1"/>
+          </p:cNvPicPr>
+          <p:nvPr/>
+        </p:nvPicPr>
+        <p:blipFill>
+          <a:blip r:embed="rId2"/>
+          <a:stretch>
+            <a:fillRect/>
+          </a:stretch>
+        </p:blipFill>
+        <p:spPr>
+          <a:xfrm>
+            <a:off x="1778224" y="1898022"/>
+            <a:ext cx="8635552" cy="4594853"/>
+          </a:xfrm>
+          <a:prstGeom prst="rect">
+            <a:avLst/>
+          </a:prstGeom>
+        </p:spPr>
+      </p:pic>
     </p:spTree>
     <p:extLst>
       <p:ext uri="{BB962C8B-B14F-4D97-AF65-F5344CB8AC3E}">
         <p14:creationId xmlns:p14="http://schemas.microsoft.com/office/powerpoint/2010/main" val="2837281121"/>
+      </p:ext>
+    </p:extLst>
+  </p:cSld>
+  <p:clrMapOvr>
+    <a:masterClrMapping/>
+  </p:clrMapOvr>
+</p:sld>
+</file>
+
+<file path=ppt/slides/slide17.xml><?xml version="1.0" encoding="utf-8"?>
+<p:sld xmlns:a="http://schemas.openxmlformats.org/drawingml/2006/main" xmlns:r="http://schemas.openxmlformats.org/officeDocument/2006/relationships" xmlns:p="http://schemas.openxmlformats.org/presentationml/2006/main">
+  <p:cSld>
+    <p:spTree>
+      <p:nvGrpSpPr>
+        <p:cNvPr id="1" name=""/>
+        <p:cNvGrpSpPr/>
+        <p:nvPr/>
+      </p:nvGrpSpPr>
+      <p:grpSpPr>
+        <a:xfrm>
+          <a:off x="0" y="0"/>
+          <a:ext cx="0" cy="0"/>
+          <a:chOff x="0" y="0"/>
+          <a:chExt cx="0" cy="0"/>
+        </a:xfrm>
+      </p:grpSpPr>
+      <p:pic>
+        <p:nvPicPr>
+          <p:cNvPr id="10" name="Picture 9">
+            <a:extLst>
+              <a:ext uri="{FF2B5EF4-FFF2-40B4-BE49-F238E27FC236}">
+                <a16:creationId xmlns:a16="http://schemas.microsoft.com/office/drawing/2014/main" id="{6044FD7A-BCC0-4DCF-99EF-4AC79666CCAE}"/>
+              </a:ext>
+            </a:extLst>
+          </p:cNvPr>
+          <p:cNvPicPr>
+            <a:picLocks noChangeAspect="1"/>
+          </p:cNvPicPr>
+          <p:nvPr/>
+        </p:nvPicPr>
+        <p:blipFill>
+          <a:blip r:embed="rId2"/>
+          <a:stretch>
+            <a:fillRect/>
+          </a:stretch>
+        </p:blipFill>
+        <p:spPr>
+          <a:xfrm>
+            <a:off x="2559088" y="772999"/>
+            <a:ext cx="7073823" cy="3819988"/>
+          </a:xfrm>
+          <a:prstGeom prst="rect">
+            <a:avLst/>
+          </a:prstGeom>
+        </p:spPr>
+      </p:pic>
+      <p:sp>
+        <p:nvSpPr>
+          <p:cNvPr id="11" name="TextBox 10">
+            <a:extLst>
+              <a:ext uri="{FF2B5EF4-FFF2-40B4-BE49-F238E27FC236}">
+                <a16:creationId xmlns:a16="http://schemas.microsoft.com/office/drawing/2014/main" id="{8354C9ED-E4DB-4FF6-9F20-5A477B5C6159}"/>
+              </a:ext>
+            </a:extLst>
+          </p:cNvPr>
+          <p:cNvSpPr txBox="1"/>
+          <p:nvPr/>
+        </p:nvSpPr>
+        <p:spPr>
+          <a:xfrm>
+            <a:off x="5395037" y="433420"/>
+            <a:ext cx="1401922" cy="461665"/>
+          </a:xfrm>
+          <a:prstGeom prst="rect">
+            <a:avLst/>
+          </a:prstGeom>
+          <a:noFill/>
+        </p:spPr>
+        <p:txBody>
+          <a:bodyPr wrap="none" rtlCol="0">
+            <a:spAutoFit/>
+          </a:bodyPr>
+          <a:lstStyle/>
+          <a:p>
+            <a:r>
+              <a:rPr lang="en-US" sz="2400" dirty="0">
+                <a:latin typeface="+mj-lt"/>
+              </a:rPr>
+              <a:t>Year 2021</a:t>
+            </a:r>
+            <a:endParaRPr lang="en-ID" sz="2400" dirty="0">
+              <a:latin typeface="+mj-lt"/>
+            </a:endParaRPr>
+          </a:p>
+        </p:txBody>
+      </p:sp>
+      <p:graphicFrame>
+        <p:nvGraphicFramePr>
+          <p:cNvPr id="12" name="Table 12">
+            <a:extLst>
+              <a:ext uri="{FF2B5EF4-FFF2-40B4-BE49-F238E27FC236}">
+                <a16:creationId xmlns:a16="http://schemas.microsoft.com/office/drawing/2014/main" id="{6EF2C0BD-C2A4-48CB-B57D-F423468E7EA6}"/>
+              </a:ext>
+            </a:extLst>
+          </p:cNvPr>
+          <p:cNvGraphicFramePr>
+            <a:graphicFrameLocks noGrp="1"/>
+          </p:cNvGraphicFramePr>
+          <p:nvPr>
+            <p:extLst>
+              <p:ext uri="{D42A27DB-BD31-4B8C-83A1-F6EECF244321}">
+                <p14:modId xmlns:p14="http://schemas.microsoft.com/office/powerpoint/2010/main" val="124788676"/>
+              </p:ext>
+            </p:extLst>
+          </p:nvPr>
+        </p:nvGraphicFramePr>
+        <p:xfrm>
+          <a:off x="2396866" y="4701733"/>
+          <a:ext cx="7398264" cy="1752600"/>
+        </p:xfrm>
+        <a:graphic>
+          <a:graphicData uri="http://schemas.openxmlformats.org/drawingml/2006/table">
+            <a:tbl>
+              <a:tblPr firstRow="1" bandRow="1">
+                <a:tableStyleId>{5C22544A-7EE6-4342-B048-85BDC9FD1C3A}</a:tableStyleId>
+              </a:tblPr>
+              <a:tblGrid>
+                <a:gridCol w="1301552">
+                  <a:extLst>
+                    <a:ext uri="{9D8B030D-6E8A-4147-A177-3AD203B41FA5}">
+                      <a16:colId xmlns:a16="http://schemas.microsoft.com/office/drawing/2014/main" val="2142800035"/>
+                    </a:ext>
+                  </a:extLst>
+                </a:gridCol>
+                <a:gridCol w="2189278">
+                  <a:extLst>
+                    <a:ext uri="{9D8B030D-6E8A-4147-A177-3AD203B41FA5}">
+                      <a16:colId xmlns:a16="http://schemas.microsoft.com/office/drawing/2014/main" val="2465116305"/>
+                    </a:ext>
+                  </a:extLst>
+                </a:gridCol>
+                <a:gridCol w="883634">
+                  <a:extLst>
+                    <a:ext uri="{9D8B030D-6E8A-4147-A177-3AD203B41FA5}">
+                      <a16:colId xmlns:a16="http://schemas.microsoft.com/office/drawing/2014/main" val="2132548784"/>
+                    </a:ext>
+                  </a:extLst>
+                </a:gridCol>
+                <a:gridCol w="1511900">
+                  <a:extLst>
+                    <a:ext uri="{9D8B030D-6E8A-4147-A177-3AD203B41FA5}">
+                      <a16:colId xmlns:a16="http://schemas.microsoft.com/office/drawing/2014/main" val="30196392"/>
+                    </a:ext>
+                  </a:extLst>
+                </a:gridCol>
+                <a:gridCol w="1511900">
+                  <a:extLst>
+                    <a:ext uri="{9D8B030D-6E8A-4147-A177-3AD203B41FA5}">
+                      <a16:colId xmlns:a16="http://schemas.microsoft.com/office/drawing/2014/main" val="492781283"/>
+                    </a:ext>
+                  </a:extLst>
+                </a:gridCol>
+              </a:tblGrid>
+              <a:tr h="370840">
+                <a:tc>
+                  <a:txBody>
+                    <a:bodyPr/>
+                    <a:lstStyle/>
+                    <a:p>
+                      <a:pPr algn="ctr"/>
+                      <a:r>
+                        <a:rPr lang="en-US" dirty="0">
+                          <a:solidFill>
+                            <a:sysClr val="windowText" lastClr="000000"/>
+                          </a:solidFill>
+                          <a:latin typeface="+mj-lt"/>
+                        </a:rPr>
+                        <a:t>Maker</a:t>
+                      </a:r>
+                      <a:endParaRPr lang="en-ID" dirty="0">
+                        <a:solidFill>
+                          <a:sysClr val="windowText" lastClr="000000"/>
+                        </a:solidFill>
+                        <a:latin typeface="+mj-lt"/>
+                      </a:endParaRPr>
+                    </a:p>
+                  </a:txBody>
+                  <a:tcPr anchor="ctr">
+                    <a:solidFill>
+                      <a:schemeClr val="bg2">
+                        <a:lumMod val="75000"/>
+                      </a:schemeClr>
+                    </a:solidFill>
+                  </a:tcPr>
+                </a:tc>
+                <a:tc>
+                  <a:txBody>
+                    <a:bodyPr/>
+                    <a:lstStyle/>
+                    <a:p>
+                      <a:pPr algn="ctr"/>
+                      <a:r>
+                        <a:rPr lang="en-US" dirty="0">
+                          <a:solidFill>
+                            <a:sysClr val="windowText" lastClr="000000"/>
+                          </a:solidFill>
+                          <a:latin typeface="+mj-lt"/>
+                        </a:rPr>
+                        <a:t>Main Category</a:t>
+                      </a:r>
+                      <a:endParaRPr lang="en-ID" dirty="0">
+                        <a:solidFill>
+                          <a:sysClr val="windowText" lastClr="000000"/>
+                        </a:solidFill>
+                        <a:latin typeface="+mj-lt"/>
+                      </a:endParaRPr>
+                    </a:p>
+                  </a:txBody>
+                  <a:tcPr anchor="ctr">
+                    <a:solidFill>
+                      <a:schemeClr val="bg2">
+                        <a:lumMod val="75000"/>
+                      </a:schemeClr>
+                    </a:solidFill>
+                  </a:tcPr>
+                </a:tc>
+                <a:tc>
+                  <a:txBody>
+                    <a:bodyPr/>
+                    <a:lstStyle/>
+                    <a:p>
+                      <a:pPr algn="ctr"/>
+                      <a:r>
+                        <a:rPr lang="en-US" dirty="0">
+                          <a:solidFill>
+                            <a:sysClr val="windowText" lastClr="000000"/>
+                          </a:solidFill>
+                          <a:latin typeface="+mj-lt"/>
+                        </a:rPr>
+                        <a:t>Num of Items</a:t>
+                      </a:r>
+                      <a:endParaRPr lang="en-ID" dirty="0">
+                        <a:solidFill>
+                          <a:sysClr val="windowText" lastClr="000000"/>
+                        </a:solidFill>
+                        <a:latin typeface="+mj-lt"/>
+                      </a:endParaRPr>
+                    </a:p>
+                  </a:txBody>
+                  <a:tcPr anchor="ctr">
+                    <a:solidFill>
+                      <a:schemeClr val="bg2">
+                        <a:lumMod val="75000"/>
+                      </a:schemeClr>
+                    </a:solidFill>
+                  </a:tcPr>
+                </a:tc>
+                <a:tc>
+                  <a:txBody>
+                    <a:bodyPr/>
+                    <a:lstStyle/>
+                    <a:p>
+                      <a:pPr algn="ctr"/>
+                      <a:r>
+                        <a:rPr lang="en-US" dirty="0">
+                          <a:solidFill>
+                            <a:sysClr val="windowText" lastClr="000000"/>
+                          </a:solidFill>
+                          <a:latin typeface="+mj-lt"/>
+                        </a:rPr>
+                        <a:t>Sales mean</a:t>
+                      </a:r>
+                      <a:endParaRPr lang="en-ID" dirty="0">
+                        <a:solidFill>
+                          <a:sysClr val="windowText" lastClr="000000"/>
+                        </a:solidFill>
+                        <a:latin typeface="+mj-lt"/>
+                      </a:endParaRPr>
+                    </a:p>
+                  </a:txBody>
+                  <a:tcPr anchor="ctr">
+                    <a:solidFill>
+                      <a:schemeClr val="bg2">
+                        <a:lumMod val="75000"/>
+                      </a:schemeClr>
+                    </a:solidFill>
+                  </a:tcPr>
+                </a:tc>
+                <a:tc>
+                  <a:txBody>
+                    <a:bodyPr/>
+                    <a:lstStyle/>
+                    <a:p>
+                      <a:pPr algn="ctr"/>
+                      <a:r>
+                        <a:rPr lang="en-US" dirty="0">
+                          <a:solidFill>
+                            <a:sysClr val="windowText" lastClr="000000"/>
+                          </a:solidFill>
+                          <a:latin typeface="+mj-lt"/>
+                        </a:rPr>
+                        <a:t>Forecast sales mean</a:t>
+                      </a:r>
+                      <a:endParaRPr lang="en-ID" dirty="0">
+                        <a:solidFill>
+                          <a:sysClr val="windowText" lastClr="000000"/>
+                        </a:solidFill>
+                        <a:latin typeface="+mj-lt"/>
+                      </a:endParaRPr>
+                    </a:p>
+                  </a:txBody>
+                  <a:tcPr anchor="ctr">
+                    <a:solidFill>
+                      <a:schemeClr val="bg2">
+                        <a:lumMod val="75000"/>
+                      </a:schemeClr>
+                    </a:solidFill>
+                  </a:tcPr>
+                </a:tc>
+                <a:extLst>
+                  <a:ext uri="{0D108BD9-81ED-4DB2-BD59-A6C34878D82A}">
+                    <a16:rowId xmlns:a16="http://schemas.microsoft.com/office/drawing/2014/main" val="498125875"/>
+                  </a:ext>
+                </a:extLst>
+              </a:tr>
+              <a:tr h="370840">
+                <a:tc>
+                  <a:txBody>
+                    <a:bodyPr/>
+                    <a:lstStyle/>
+                    <a:p>
+                      <a:pPr algn="ctr"/>
+                      <a:r>
+                        <a:rPr lang="en-US" dirty="0">
+                          <a:solidFill>
+                            <a:sysClr val="windowText" lastClr="000000"/>
+                          </a:solidFill>
+                          <a:latin typeface="+mj-lt"/>
+                        </a:rPr>
+                        <a:t>Okamoto</a:t>
+                      </a:r>
+                      <a:endParaRPr lang="en-ID" dirty="0">
+                        <a:solidFill>
+                          <a:sysClr val="windowText" lastClr="000000"/>
+                        </a:solidFill>
+                        <a:latin typeface="+mj-lt"/>
+                      </a:endParaRPr>
+                    </a:p>
+                  </a:txBody>
+                  <a:tcPr anchor="ctr">
+                    <a:solidFill>
+                      <a:schemeClr val="bg2"/>
+                    </a:solidFill>
+                  </a:tcPr>
+                </a:tc>
+                <a:tc>
+                  <a:txBody>
+                    <a:bodyPr/>
+                    <a:lstStyle/>
+                    <a:p>
+                      <a:pPr algn="ctr"/>
+                      <a:r>
+                        <a:rPr lang="en-US" dirty="0">
+                          <a:solidFill>
+                            <a:sysClr val="windowText" lastClr="000000"/>
+                          </a:solidFill>
+                          <a:latin typeface="+mj-lt"/>
+                        </a:rPr>
+                        <a:t>Televisions</a:t>
+                      </a:r>
+                      <a:endParaRPr lang="en-ID" dirty="0">
+                        <a:solidFill>
+                          <a:sysClr val="windowText" lastClr="000000"/>
+                        </a:solidFill>
+                        <a:latin typeface="+mj-lt"/>
+                      </a:endParaRPr>
+                    </a:p>
+                  </a:txBody>
+                  <a:tcPr anchor="ctr">
+                    <a:solidFill>
+                      <a:schemeClr val="bg2"/>
+                    </a:solidFill>
+                  </a:tcPr>
+                </a:tc>
+                <a:tc>
+                  <a:txBody>
+                    <a:bodyPr/>
+                    <a:lstStyle/>
+                    <a:p>
+                      <a:pPr algn="ctr"/>
+                      <a:r>
+                        <a:rPr lang="en-US" dirty="0">
+                          <a:solidFill>
+                            <a:sysClr val="windowText" lastClr="000000"/>
+                          </a:solidFill>
+                          <a:latin typeface="+mj-lt"/>
+                        </a:rPr>
+                        <a:t>81</a:t>
+                      </a:r>
+                      <a:endParaRPr lang="en-ID" dirty="0">
+                        <a:solidFill>
+                          <a:sysClr val="windowText" lastClr="000000"/>
+                        </a:solidFill>
+                        <a:latin typeface="+mj-lt"/>
+                      </a:endParaRPr>
+                    </a:p>
+                  </a:txBody>
+                  <a:tcPr anchor="ctr">
+                    <a:solidFill>
+                      <a:schemeClr val="bg2"/>
+                    </a:solidFill>
+                  </a:tcPr>
+                </a:tc>
+                <a:tc>
+                  <a:txBody>
+                    <a:bodyPr/>
+                    <a:lstStyle/>
+                    <a:p>
+                      <a:pPr algn="ctr"/>
+                      <a:r>
+                        <a:rPr lang="en-US" dirty="0">
+                          <a:solidFill>
+                            <a:sysClr val="windowText" lastClr="000000"/>
+                          </a:solidFill>
+                          <a:latin typeface="+mj-lt"/>
+                        </a:rPr>
+                        <a:t>1,289.86</a:t>
+                      </a:r>
+                      <a:endParaRPr lang="en-ID" dirty="0">
+                        <a:solidFill>
+                          <a:sysClr val="windowText" lastClr="000000"/>
+                        </a:solidFill>
+                        <a:latin typeface="+mj-lt"/>
+                      </a:endParaRPr>
+                    </a:p>
+                  </a:txBody>
+                  <a:tcPr anchor="ctr">
+                    <a:solidFill>
+                      <a:schemeClr val="bg2"/>
+                    </a:solidFill>
+                  </a:tcPr>
+                </a:tc>
+                <a:tc>
+                  <a:txBody>
+                    <a:bodyPr/>
+                    <a:lstStyle/>
+                    <a:p>
+                      <a:pPr algn="ctr"/>
+                      <a:r>
+                        <a:rPr lang="en-US" dirty="0">
+                          <a:solidFill>
+                            <a:sysClr val="windowText" lastClr="000000"/>
+                          </a:solidFill>
+                          <a:latin typeface="+mj-lt"/>
+                        </a:rPr>
+                        <a:t>1,498.42</a:t>
+                      </a:r>
+                      <a:endParaRPr lang="en-ID" dirty="0">
+                        <a:solidFill>
+                          <a:sysClr val="windowText" lastClr="000000"/>
+                        </a:solidFill>
+                        <a:latin typeface="+mj-lt"/>
+                      </a:endParaRPr>
+                    </a:p>
+                  </a:txBody>
+                  <a:tcPr anchor="ctr">
+                    <a:solidFill>
+                      <a:schemeClr val="bg2"/>
+                    </a:solidFill>
+                  </a:tcPr>
+                </a:tc>
+                <a:extLst>
+                  <a:ext uri="{0D108BD9-81ED-4DB2-BD59-A6C34878D82A}">
+                    <a16:rowId xmlns:a16="http://schemas.microsoft.com/office/drawing/2014/main" val="3122804550"/>
+                  </a:ext>
+                </a:extLst>
+              </a:tr>
+              <a:tr h="370840">
+                <a:tc>
+                  <a:txBody>
+                    <a:bodyPr/>
+                    <a:lstStyle/>
+                    <a:p>
+                      <a:pPr algn="ctr"/>
+                      <a:r>
+                        <a:rPr lang="en-US" dirty="0">
+                          <a:solidFill>
+                            <a:sysClr val="windowText" lastClr="000000"/>
+                          </a:solidFill>
+                          <a:latin typeface="+mj-lt"/>
+                        </a:rPr>
+                        <a:t>Hisami</a:t>
+                      </a:r>
+                      <a:endParaRPr lang="en-ID" dirty="0">
+                        <a:solidFill>
+                          <a:sysClr val="windowText" lastClr="000000"/>
+                        </a:solidFill>
+                        <a:latin typeface="+mj-lt"/>
+                      </a:endParaRPr>
+                    </a:p>
+                  </a:txBody>
+                  <a:tcPr anchor="ctr">
+                    <a:solidFill>
+                      <a:schemeClr val="bg2"/>
+                    </a:solidFill>
+                  </a:tcPr>
+                </a:tc>
+                <a:tc>
+                  <a:txBody>
+                    <a:bodyPr/>
+                    <a:lstStyle/>
+                    <a:p>
+                      <a:pPr algn="ctr"/>
+                      <a:r>
+                        <a:rPr lang="en-US" dirty="0">
+                          <a:solidFill>
+                            <a:sysClr val="windowText" lastClr="000000"/>
+                          </a:solidFill>
+                          <a:latin typeface="+mj-lt"/>
+                        </a:rPr>
+                        <a:t>Vacuum Cleaners</a:t>
+                      </a:r>
+                      <a:endParaRPr lang="en-ID" dirty="0">
+                        <a:solidFill>
+                          <a:sysClr val="windowText" lastClr="000000"/>
+                        </a:solidFill>
+                        <a:latin typeface="+mj-lt"/>
+                      </a:endParaRPr>
+                    </a:p>
+                  </a:txBody>
+                  <a:tcPr anchor="ctr">
+                    <a:solidFill>
+                      <a:schemeClr val="bg2"/>
+                    </a:solidFill>
+                  </a:tcPr>
+                </a:tc>
+                <a:tc>
+                  <a:txBody>
+                    <a:bodyPr/>
+                    <a:lstStyle/>
+                    <a:p>
+                      <a:pPr algn="ctr"/>
+                      <a:r>
+                        <a:rPr lang="en-US" dirty="0">
+                          <a:solidFill>
+                            <a:sysClr val="windowText" lastClr="000000"/>
+                          </a:solidFill>
+                          <a:latin typeface="+mj-lt"/>
+                        </a:rPr>
+                        <a:t>81</a:t>
+                      </a:r>
+                      <a:endParaRPr lang="en-ID" dirty="0">
+                        <a:solidFill>
+                          <a:sysClr val="windowText" lastClr="000000"/>
+                        </a:solidFill>
+                        <a:latin typeface="+mj-lt"/>
+                      </a:endParaRPr>
+                    </a:p>
+                  </a:txBody>
+                  <a:tcPr anchor="ctr">
+                    <a:solidFill>
+                      <a:schemeClr val="bg2"/>
+                    </a:solidFill>
+                  </a:tcPr>
+                </a:tc>
+                <a:tc>
+                  <a:txBody>
+                    <a:bodyPr/>
+                    <a:lstStyle/>
+                    <a:p>
+                      <a:pPr algn="ctr"/>
+                      <a:r>
+                        <a:rPr lang="en-US" dirty="0">
+                          <a:solidFill>
+                            <a:sysClr val="windowText" lastClr="000000"/>
+                          </a:solidFill>
+                          <a:latin typeface="+mj-lt"/>
+                        </a:rPr>
+                        <a:t>1,382.76</a:t>
+                      </a:r>
+                      <a:endParaRPr lang="en-ID" dirty="0">
+                        <a:solidFill>
+                          <a:sysClr val="windowText" lastClr="000000"/>
+                        </a:solidFill>
+                        <a:latin typeface="+mj-lt"/>
+                      </a:endParaRPr>
+                    </a:p>
+                  </a:txBody>
+                  <a:tcPr anchor="ctr">
+                    <a:solidFill>
+                      <a:schemeClr val="bg2"/>
+                    </a:solidFill>
+                  </a:tcPr>
+                </a:tc>
+                <a:tc>
+                  <a:txBody>
+                    <a:bodyPr/>
+                    <a:lstStyle/>
+                    <a:p>
+                      <a:pPr algn="ctr"/>
+                      <a:r>
+                        <a:rPr lang="en-US" dirty="0">
+                          <a:solidFill>
+                            <a:sysClr val="windowText" lastClr="000000"/>
+                          </a:solidFill>
+                          <a:latin typeface="+mj-lt"/>
+                        </a:rPr>
+                        <a:t>1,155.52</a:t>
+                      </a:r>
+                      <a:endParaRPr lang="en-ID" dirty="0">
+                        <a:solidFill>
+                          <a:sysClr val="windowText" lastClr="000000"/>
+                        </a:solidFill>
+                        <a:latin typeface="+mj-lt"/>
+                      </a:endParaRPr>
+                    </a:p>
+                  </a:txBody>
+                  <a:tcPr anchor="ctr">
+                    <a:solidFill>
+                      <a:schemeClr val="bg2"/>
+                    </a:solidFill>
+                  </a:tcPr>
+                </a:tc>
+                <a:extLst>
+                  <a:ext uri="{0D108BD9-81ED-4DB2-BD59-A6C34878D82A}">
+                    <a16:rowId xmlns:a16="http://schemas.microsoft.com/office/drawing/2014/main" val="1350607765"/>
+                  </a:ext>
+                </a:extLst>
+              </a:tr>
+              <a:tr h="370840">
+                <a:tc>
+                  <a:txBody>
+                    <a:bodyPr/>
+                    <a:lstStyle/>
+                    <a:p>
+                      <a:pPr algn="ctr"/>
+                      <a:r>
+                        <a:rPr lang="en-US" dirty="0" err="1">
+                          <a:solidFill>
+                            <a:sysClr val="windowText" lastClr="000000"/>
+                          </a:solidFill>
+                          <a:latin typeface="+mj-lt"/>
+                        </a:rPr>
+                        <a:t>Kikuma</a:t>
+                      </a:r>
+                      <a:endParaRPr lang="en-ID" dirty="0">
+                        <a:solidFill>
+                          <a:sysClr val="windowText" lastClr="000000"/>
+                        </a:solidFill>
+                        <a:latin typeface="+mj-lt"/>
+                      </a:endParaRPr>
+                    </a:p>
+                  </a:txBody>
+                  <a:tcPr anchor="ctr">
+                    <a:solidFill>
+                      <a:schemeClr val="bg2"/>
+                    </a:solidFill>
+                  </a:tcPr>
+                </a:tc>
+                <a:tc>
+                  <a:txBody>
+                    <a:bodyPr/>
+                    <a:lstStyle/>
+                    <a:p>
+                      <a:pPr algn="ctr"/>
+                      <a:r>
+                        <a:rPr lang="en-US" dirty="0">
+                          <a:solidFill>
+                            <a:sysClr val="windowText" lastClr="000000"/>
+                          </a:solidFill>
+                          <a:latin typeface="+mj-lt"/>
+                        </a:rPr>
+                        <a:t>Televisions</a:t>
+                      </a:r>
+                      <a:endParaRPr lang="en-ID" dirty="0">
+                        <a:solidFill>
+                          <a:sysClr val="windowText" lastClr="000000"/>
+                        </a:solidFill>
+                        <a:latin typeface="+mj-lt"/>
+                      </a:endParaRPr>
+                    </a:p>
+                  </a:txBody>
+                  <a:tcPr anchor="ctr">
+                    <a:solidFill>
+                      <a:schemeClr val="bg2"/>
+                    </a:solidFill>
+                  </a:tcPr>
+                </a:tc>
+                <a:tc>
+                  <a:txBody>
+                    <a:bodyPr/>
+                    <a:lstStyle/>
+                    <a:p>
+                      <a:pPr algn="ctr"/>
+                      <a:r>
+                        <a:rPr lang="en-US" dirty="0">
+                          <a:solidFill>
+                            <a:sysClr val="windowText" lastClr="000000"/>
+                          </a:solidFill>
+                          <a:latin typeface="+mj-lt"/>
+                        </a:rPr>
+                        <a:t>81</a:t>
+                      </a:r>
+                      <a:endParaRPr lang="en-ID" dirty="0">
+                        <a:solidFill>
+                          <a:sysClr val="windowText" lastClr="000000"/>
+                        </a:solidFill>
+                        <a:latin typeface="+mj-lt"/>
+                      </a:endParaRPr>
+                    </a:p>
+                  </a:txBody>
+                  <a:tcPr anchor="ctr">
+                    <a:solidFill>
+                      <a:schemeClr val="bg2"/>
+                    </a:solidFill>
+                  </a:tcPr>
+                </a:tc>
+                <a:tc>
+                  <a:txBody>
+                    <a:bodyPr/>
+                    <a:lstStyle/>
+                    <a:p>
+                      <a:pPr algn="ctr"/>
+                      <a:r>
+                        <a:rPr lang="en-US" dirty="0">
+                          <a:solidFill>
+                            <a:sysClr val="windowText" lastClr="000000"/>
+                          </a:solidFill>
+                          <a:latin typeface="+mj-lt"/>
+                        </a:rPr>
+                        <a:t>411.01</a:t>
+                      </a:r>
+                      <a:endParaRPr lang="en-ID" dirty="0">
+                        <a:solidFill>
+                          <a:sysClr val="windowText" lastClr="000000"/>
+                        </a:solidFill>
+                        <a:latin typeface="+mj-lt"/>
+                      </a:endParaRPr>
+                    </a:p>
+                  </a:txBody>
+                  <a:tcPr anchor="ctr">
+                    <a:solidFill>
+                      <a:schemeClr val="bg2"/>
+                    </a:solidFill>
+                  </a:tcPr>
+                </a:tc>
+                <a:tc>
+                  <a:txBody>
+                    <a:bodyPr/>
+                    <a:lstStyle/>
+                    <a:p>
+                      <a:pPr algn="ctr"/>
+                      <a:r>
+                        <a:rPr lang="en-US" dirty="0">
+                          <a:solidFill>
+                            <a:sysClr val="windowText" lastClr="000000"/>
+                          </a:solidFill>
+                          <a:latin typeface="+mj-lt"/>
+                        </a:rPr>
+                        <a:t>788.80</a:t>
+                      </a:r>
+                      <a:endParaRPr lang="en-ID" dirty="0">
+                        <a:solidFill>
+                          <a:sysClr val="windowText" lastClr="000000"/>
+                        </a:solidFill>
+                        <a:latin typeface="+mj-lt"/>
+                      </a:endParaRPr>
+                    </a:p>
+                  </a:txBody>
+                  <a:tcPr anchor="ctr">
+                    <a:solidFill>
+                      <a:schemeClr val="bg2"/>
+                    </a:solidFill>
+                  </a:tcPr>
+                </a:tc>
+                <a:extLst>
+                  <a:ext uri="{0D108BD9-81ED-4DB2-BD59-A6C34878D82A}">
+                    <a16:rowId xmlns:a16="http://schemas.microsoft.com/office/drawing/2014/main" val="2932058468"/>
+                  </a:ext>
+                </a:extLst>
+              </a:tr>
+            </a:tbl>
+          </a:graphicData>
+        </a:graphic>
+      </p:graphicFrame>
+    </p:spTree>
+    <p:extLst>
+      <p:ext uri="{BB962C8B-B14F-4D97-AF65-F5344CB8AC3E}">
+        <p14:creationId xmlns:p14="http://schemas.microsoft.com/office/powerpoint/2010/main" val="141324301"/>
+      </p:ext>
+    </p:extLst>
+  </p:cSld>
+  <p:clrMapOvr>
+    <a:masterClrMapping/>
+  </p:clrMapOvr>
+</p:sld>
+</file>
+
+<file path=ppt/slides/slide18.xml><?xml version="1.0" encoding="utf-8"?>
+<p:sld xmlns:a="http://schemas.openxmlformats.org/drawingml/2006/main" xmlns:r="http://schemas.openxmlformats.org/officeDocument/2006/relationships" xmlns:p="http://schemas.openxmlformats.org/presentationml/2006/main">
+  <p:cSld>
+    <p:spTree>
+      <p:nvGrpSpPr>
+        <p:cNvPr id="1" name=""/>
+        <p:cNvGrpSpPr/>
+        <p:nvPr/>
+      </p:nvGrpSpPr>
+      <p:grpSpPr>
+        <a:xfrm>
+          <a:off x="0" y="0"/>
+          <a:ext cx="0" cy="0"/>
+          <a:chOff x="0" y="0"/>
+          <a:chExt cx="0" cy="0"/>
+        </a:xfrm>
+      </p:grpSpPr>
+      <p:sp>
+        <p:nvSpPr>
+          <p:cNvPr id="2" name="Title 1">
+            <a:extLst>
+              <a:ext uri="{FF2B5EF4-FFF2-40B4-BE49-F238E27FC236}">
+                <a16:creationId xmlns:a16="http://schemas.microsoft.com/office/drawing/2014/main" id="{4BE39D5B-0264-4E1F-8B58-5AD2D2D04385}"/>
+              </a:ext>
+            </a:extLst>
+          </p:cNvPr>
+          <p:cNvSpPr>
+            <a:spLocks noGrp="1"/>
+          </p:cNvSpPr>
+          <p:nvPr>
+            <p:ph type="title"/>
+          </p:nvPr>
+        </p:nvSpPr>
+        <p:spPr/>
+        <p:txBody>
+          <a:bodyPr/>
+          <a:lstStyle/>
+          <a:p>
+            <a:r>
+              <a:rPr lang="en-US" dirty="0"/>
+              <a:t>Exclusion</a:t>
+            </a:r>
+            <a:endParaRPr lang="en-ID" dirty="0"/>
+          </a:p>
+        </p:txBody>
+      </p:sp>
+      <p:sp>
+        <p:nvSpPr>
+          <p:cNvPr id="3" name="Content Placeholder 2">
+            <a:extLst>
+              <a:ext uri="{FF2B5EF4-FFF2-40B4-BE49-F238E27FC236}">
+                <a16:creationId xmlns:a16="http://schemas.microsoft.com/office/drawing/2014/main" id="{866156B4-F8D2-4EBF-8CE1-6C33D09C2EFF}"/>
+              </a:ext>
+            </a:extLst>
+          </p:cNvPr>
+          <p:cNvSpPr>
+            <a:spLocks noGrp="1"/>
+          </p:cNvSpPr>
+          <p:nvPr>
+            <p:ph idx="1"/>
+          </p:nvPr>
+        </p:nvSpPr>
+        <p:spPr>
+          <a:xfrm>
+            <a:off x="838200" y="1690688"/>
+            <a:ext cx="10515600" cy="498125"/>
+          </a:xfrm>
+        </p:spPr>
+        <p:txBody>
+          <a:bodyPr>
+            <a:normAutofit/>
+          </a:bodyPr>
+          <a:lstStyle/>
+          <a:p>
+            <a:pPr marL="0" indent="0">
+              <a:buNone/>
+            </a:pPr>
+            <a:r>
+              <a:rPr lang="en-US" dirty="0">
+                <a:latin typeface="+mj-lt"/>
+              </a:rPr>
+              <a:t>We would leave the decision on which one should be cut to the client.</a:t>
+            </a:r>
+            <a:endParaRPr lang="en-ID" dirty="0">
+              <a:latin typeface="+mj-lt"/>
+            </a:endParaRPr>
+          </a:p>
+        </p:txBody>
+      </p:sp>
+    </p:spTree>
+    <p:extLst>
+      <p:ext uri="{BB962C8B-B14F-4D97-AF65-F5344CB8AC3E}">
+        <p14:creationId xmlns:p14="http://schemas.microsoft.com/office/powerpoint/2010/main" val="2890639341"/>
+      </p:ext>
+    </p:extLst>
+  </p:cSld>
+  <p:clrMapOvr>
+    <a:masterClrMapping/>
+  </p:clrMapOvr>
+</p:sld>
+</file>
+
+<file path=ppt/slides/slide19.xml><?xml version="1.0" encoding="utf-8"?>
+<p:sld xmlns:a="http://schemas.openxmlformats.org/drawingml/2006/main" xmlns:r="http://schemas.openxmlformats.org/officeDocument/2006/relationships" xmlns:p="http://schemas.openxmlformats.org/presentationml/2006/main">
+  <p:cSld>
+    <p:spTree>
+      <p:nvGrpSpPr>
+        <p:cNvPr id="1" name=""/>
+        <p:cNvGrpSpPr/>
+        <p:nvPr/>
+      </p:nvGrpSpPr>
+      <p:grpSpPr>
+        <a:xfrm>
+          <a:off x="0" y="0"/>
+          <a:ext cx="0" cy="0"/>
+          <a:chOff x="0" y="0"/>
+          <a:chExt cx="0" cy="0"/>
+        </a:xfrm>
+      </p:grpSpPr>
+      <p:sp>
+        <p:nvSpPr>
+          <p:cNvPr id="2" name="Title 1">
+            <a:extLst>
+              <a:ext uri="{FF2B5EF4-FFF2-40B4-BE49-F238E27FC236}">
+                <a16:creationId xmlns:a16="http://schemas.microsoft.com/office/drawing/2014/main" id="{4BE39D5B-0264-4E1F-8B58-5AD2D2D04385}"/>
+              </a:ext>
+            </a:extLst>
+          </p:cNvPr>
+          <p:cNvSpPr>
+            <a:spLocks noGrp="1"/>
+          </p:cNvSpPr>
+          <p:nvPr>
+            <p:ph type="title"/>
+          </p:nvPr>
+        </p:nvSpPr>
+        <p:spPr/>
+        <p:txBody>
+          <a:bodyPr/>
+          <a:lstStyle/>
+          <a:p>
+            <a:r>
+              <a:rPr lang="en-US" dirty="0"/>
+              <a:t>Improve the Data</a:t>
+            </a:r>
+            <a:endParaRPr lang="en-ID" dirty="0"/>
+          </a:p>
+        </p:txBody>
+      </p:sp>
+      <p:sp>
+        <p:nvSpPr>
+          <p:cNvPr id="3" name="Content Placeholder 2">
+            <a:extLst>
+              <a:ext uri="{FF2B5EF4-FFF2-40B4-BE49-F238E27FC236}">
+                <a16:creationId xmlns:a16="http://schemas.microsoft.com/office/drawing/2014/main" id="{866156B4-F8D2-4EBF-8CE1-6C33D09C2EFF}"/>
+              </a:ext>
+            </a:extLst>
+          </p:cNvPr>
+          <p:cNvSpPr>
+            <a:spLocks noGrp="1"/>
+          </p:cNvSpPr>
+          <p:nvPr>
+            <p:ph idx="1"/>
+          </p:nvPr>
+        </p:nvSpPr>
+        <p:spPr>
+          <a:xfrm>
+            <a:off x="838200" y="1690688"/>
+            <a:ext cx="10515600" cy="4802187"/>
+          </a:xfrm>
+        </p:spPr>
+        <p:txBody>
+          <a:bodyPr>
+            <a:normAutofit/>
+          </a:bodyPr>
+          <a:lstStyle/>
+          <a:p>
+            <a:pPr marL="0" indent="0">
+              <a:buNone/>
+            </a:pPr>
+            <a:r>
+              <a:rPr lang="en-US" dirty="0">
+                <a:latin typeface="+mj-lt"/>
+              </a:rPr>
+              <a:t>Problem: Incomplete and inconsistent sales date</a:t>
+            </a:r>
+          </a:p>
+          <a:p>
+            <a:pPr marL="0" indent="0">
+              <a:buNone/>
+            </a:pPr>
+            <a:r>
+              <a:rPr lang="en-US" dirty="0">
+                <a:latin typeface="+mj-lt"/>
+              </a:rPr>
+              <a:t>Suggestion(s):</a:t>
+            </a:r>
+          </a:p>
+          <a:p>
+            <a:pPr lvl="1"/>
+            <a:r>
+              <a:rPr lang="en-US" dirty="0">
+                <a:latin typeface="+mj-lt"/>
+              </a:rPr>
+              <a:t>Input data daily, or</a:t>
+            </a:r>
+          </a:p>
+          <a:p>
+            <a:pPr lvl="1"/>
+            <a:r>
+              <a:rPr lang="en-US" dirty="0">
+                <a:latin typeface="+mj-lt"/>
+              </a:rPr>
+              <a:t>Input data monthly</a:t>
+            </a:r>
+          </a:p>
+          <a:p>
+            <a:pPr marL="0" indent="0">
+              <a:buNone/>
+            </a:pPr>
+            <a:endParaRPr lang="en-US" dirty="0">
+              <a:latin typeface="+mj-lt"/>
+            </a:endParaRPr>
+          </a:p>
+          <a:p>
+            <a:pPr marL="0" indent="0">
+              <a:buNone/>
+            </a:pPr>
+            <a:r>
+              <a:rPr lang="en-US" dirty="0">
+                <a:latin typeface="+mj-lt"/>
+              </a:rPr>
+              <a:t>Problem: Separated category name (1 word = 1 column)</a:t>
+            </a:r>
+          </a:p>
+          <a:p>
+            <a:pPr marL="0" indent="0">
+              <a:buNone/>
+            </a:pPr>
+            <a:r>
+              <a:rPr lang="en-US" dirty="0">
+                <a:latin typeface="+mj-lt"/>
+              </a:rPr>
+              <a:t>Suggestion(s):</a:t>
+            </a:r>
+          </a:p>
+          <a:p>
+            <a:pPr lvl="1"/>
+            <a:r>
+              <a:rPr lang="en-US" dirty="0">
+                <a:latin typeface="+mj-lt"/>
+              </a:rPr>
+              <a:t>Combine those words into one category column from the start</a:t>
+            </a:r>
+          </a:p>
+        </p:txBody>
+      </p:sp>
+    </p:spTree>
+    <p:extLst>
+      <p:ext uri="{BB962C8B-B14F-4D97-AF65-F5344CB8AC3E}">
+        <p14:creationId xmlns:p14="http://schemas.microsoft.com/office/powerpoint/2010/main" val="2441672873"/>
       </p:ext>
     </p:extLst>
   </p:cSld>
@@ -4384,1224 +5551,384 @@
           <a:chExt cx="0" cy="0"/>
         </a:xfrm>
       </p:grpSpPr>
-      <p:graphicFrame>
-        <p:nvGraphicFramePr>
-          <p:cNvPr id="6" name="Table 6">
-            <a:extLst>
-              <a:ext uri="{FF2B5EF4-FFF2-40B4-BE49-F238E27FC236}">
-                <a16:creationId xmlns:a16="http://schemas.microsoft.com/office/drawing/2014/main" id="{9119F47B-1122-4287-9D2E-487FB3B9D82A}"/>
-              </a:ext>
-            </a:extLst>
-          </p:cNvPr>
-          <p:cNvGraphicFramePr>
-            <a:graphicFrameLocks noGrp="1"/>
-          </p:cNvGraphicFramePr>
-          <p:nvPr>
-            <p:extLst>
-              <p:ext uri="{D42A27DB-BD31-4B8C-83A1-F6EECF244321}">
-                <p14:modId xmlns:p14="http://schemas.microsoft.com/office/powerpoint/2010/main" val="828033728"/>
-              </p:ext>
-            </p:extLst>
-          </p:nvPr>
-        </p:nvGraphicFramePr>
-        <p:xfrm>
-          <a:off x="1112938" y="587229"/>
-          <a:ext cx="9966123" cy="2042160"/>
-        </p:xfrm>
-        <a:graphic>
-          <a:graphicData uri="http://schemas.openxmlformats.org/drawingml/2006/table">
-            <a:tbl>
-              <a:tblPr firstRow="1" bandRow="1">
-                <a:tableStyleId>{93296810-A885-4BE3-A3E7-6D5BEEA58F35}</a:tableStyleId>
-              </a:tblPr>
-              <a:tblGrid>
-                <a:gridCol w="1837190">
-                  <a:extLst>
-                    <a:ext uri="{9D8B030D-6E8A-4147-A177-3AD203B41FA5}">
-                      <a16:colId xmlns:a16="http://schemas.microsoft.com/office/drawing/2014/main" val="1762112370"/>
-                    </a:ext>
-                  </a:extLst>
-                </a:gridCol>
-                <a:gridCol w="208280">
-                  <a:extLst>
-                    <a:ext uri="{9D8B030D-6E8A-4147-A177-3AD203B41FA5}">
-                      <a16:colId xmlns:a16="http://schemas.microsoft.com/office/drawing/2014/main" val="2070358996"/>
-                    </a:ext>
-                  </a:extLst>
-                </a:gridCol>
-                <a:gridCol w="7920653">
-                  <a:extLst>
-                    <a:ext uri="{9D8B030D-6E8A-4147-A177-3AD203B41FA5}">
-                      <a16:colId xmlns:a16="http://schemas.microsoft.com/office/drawing/2014/main" val="2218567216"/>
-                    </a:ext>
-                  </a:extLst>
-                </a:gridCol>
-              </a:tblGrid>
-              <a:tr h="318781">
-                <a:tc>
-                  <a:txBody>
-                    <a:bodyPr/>
-                    <a:lstStyle/>
-                    <a:p>
-                      <a:r>
-                        <a:rPr lang="en-US" sz="3200" dirty="0">
-                          <a:solidFill>
-                            <a:sysClr val="windowText" lastClr="000000"/>
-                          </a:solidFill>
-                          <a:latin typeface="+mj-lt"/>
-                        </a:rPr>
-                        <a:t>Data</a:t>
-                      </a:r>
-                      <a:endParaRPr lang="en-ID" sz="3200" dirty="0">
-                        <a:solidFill>
-                          <a:sysClr val="windowText" lastClr="000000"/>
-                        </a:solidFill>
-                        <a:latin typeface="+mj-lt"/>
-                      </a:endParaRPr>
-                    </a:p>
-                  </a:txBody>
-                  <a:tcPr>
-                    <a:solidFill>
-                      <a:schemeClr val="bg1"/>
-                    </a:solidFill>
-                  </a:tcPr>
-                </a:tc>
-                <a:tc>
-                  <a:txBody>
-                    <a:bodyPr/>
-                    <a:lstStyle/>
-                    <a:p>
-                      <a:endParaRPr lang="en-ID" sz="3200" dirty="0">
-                        <a:solidFill>
-                          <a:sysClr val="windowText" lastClr="000000"/>
-                        </a:solidFill>
-                        <a:latin typeface="+mj-lt"/>
-                      </a:endParaRPr>
-                    </a:p>
-                  </a:txBody>
-                  <a:tcPr>
-                    <a:solidFill>
-                      <a:schemeClr val="bg1"/>
-                    </a:solidFill>
-                  </a:tcPr>
-                </a:tc>
-                <a:tc>
-                  <a:txBody>
-                    <a:bodyPr/>
-                    <a:lstStyle/>
-                    <a:p>
-                      <a:endParaRPr lang="en-ID" dirty="0">
-                        <a:solidFill>
-                          <a:sysClr val="windowText" lastClr="000000"/>
-                        </a:solidFill>
-                        <a:latin typeface="+mj-lt"/>
-                      </a:endParaRPr>
-                    </a:p>
-                  </a:txBody>
-                  <a:tcPr>
-                    <a:solidFill>
-                      <a:schemeClr val="bg1"/>
-                    </a:solidFill>
-                  </a:tcPr>
-                </a:tc>
-                <a:extLst>
-                  <a:ext uri="{0D108BD9-81ED-4DB2-BD59-A6C34878D82A}">
-                    <a16:rowId xmlns:a16="http://schemas.microsoft.com/office/drawing/2014/main" val="2213966227"/>
-                  </a:ext>
-                </a:extLst>
-              </a:tr>
-              <a:tr h="207466">
-                <a:tc>
-                  <a:txBody>
-                    <a:bodyPr/>
-                    <a:lstStyle/>
-                    <a:p>
-                      <a:r>
-                        <a:rPr lang="en-US" dirty="0">
-                          <a:solidFill>
-                            <a:sysClr val="windowText" lastClr="000000"/>
-                          </a:solidFill>
-                          <a:latin typeface="+mj-lt"/>
-                        </a:rPr>
-                        <a:t>File name format</a:t>
-                      </a:r>
-                      <a:endParaRPr lang="en-ID" dirty="0">
-                        <a:solidFill>
-                          <a:sysClr val="windowText" lastClr="000000"/>
-                        </a:solidFill>
-                        <a:latin typeface="+mj-lt"/>
-                      </a:endParaRPr>
-                    </a:p>
-                  </a:txBody>
-                  <a:tcPr>
-                    <a:solidFill>
-                      <a:schemeClr val="bg1"/>
-                    </a:solidFill>
-                  </a:tcPr>
-                </a:tc>
-                <a:tc>
-                  <a:txBody>
-                    <a:bodyPr/>
-                    <a:lstStyle/>
-                    <a:p>
-                      <a:r>
-                        <a:rPr lang="en-US" dirty="0">
-                          <a:solidFill>
-                            <a:sysClr val="windowText" lastClr="000000"/>
-                          </a:solidFill>
-                          <a:latin typeface="+mj-lt"/>
-                        </a:rPr>
-                        <a:t>:</a:t>
-                      </a:r>
-                      <a:endParaRPr lang="en-ID" dirty="0">
-                        <a:solidFill>
-                          <a:sysClr val="windowText" lastClr="000000"/>
-                        </a:solidFill>
-                        <a:latin typeface="+mj-lt"/>
-                      </a:endParaRPr>
-                    </a:p>
-                  </a:txBody>
-                  <a:tcPr>
-                    <a:solidFill>
-                      <a:schemeClr val="bg1"/>
-                    </a:solidFill>
-                  </a:tcPr>
-                </a:tc>
-                <a:tc>
-                  <a:txBody>
-                    <a:bodyPr/>
-                    <a:lstStyle/>
-                    <a:p>
-                      <a:r>
-                        <a:rPr lang="en-US" dirty="0">
-                          <a:solidFill>
-                            <a:sysClr val="windowText" lastClr="000000"/>
-                          </a:solidFill>
-                          <a:latin typeface="+mj-lt"/>
-                        </a:rPr>
-                        <a:t>Year + Quarter. e.g. 2010Q1 is first quarter in year 2010. The files are in CSV format</a:t>
-                      </a:r>
-                      <a:endParaRPr lang="en-ID" dirty="0">
-                        <a:solidFill>
-                          <a:sysClr val="windowText" lastClr="000000"/>
-                        </a:solidFill>
-                        <a:latin typeface="+mj-lt"/>
-                      </a:endParaRPr>
-                    </a:p>
-                  </a:txBody>
-                  <a:tcPr>
-                    <a:solidFill>
-                      <a:schemeClr val="bg1"/>
-                    </a:solidFill>
-                  </a:tcPr>
-                </a:tc>
-                <a:extLst>
-                  <a:ext uri="{0D108BD9-81ED-4DB2-BD59-A6C34878D82A}">
-                    <a16:rowId xmlns:a16="http://schemas.microsoft.com/office/drawing/2014/main" val="1054029128"/>
-                  </a:ext>
-                </a:extLst>
-              </a:tr>
-              <a:tr h="246635">
-                <a:tc>
-                  <a:txBody>
-                    <a:bodyPr/>
-                    <a:lstStyle/>
-                    <a:p>
-                      <a:r>
-                        <a:rPr lang="en-ID" dirty="0">
-                          <a:solidFill>
-                            <a:sysClr val="windowText" lastClr="000000"/>
-                          </a:solidFill>
-                          <a:latin typeface="+mj-lt"/>
-                        </a:rPr>
-                        <a:t>Total dataset</a:t>
-                      </a:r>
-                    </a:p>
-                  </a:txBody>
-                  <a:tcPr>
-                    <a:solidFill>
-                      <a:schemeClr val="bg1"/>
-                    </a:solidFill>
-                  </a:tcPr>
-                </a:tc>
-                <a:tc>
-                  <a:txBody>
-                    <a:bodyPr/>
-                    <a:lstStyle/>
-                    <a:p>
-                      <a:r>
-                        <a:rPr lang="en-US" dirty="0">
-                          <a:solidFill>
-                            <a:sysClr val="windowText" lastClr="000000"/>
-                          </a:solidFill>
-                          <a:latin typeface="+mj-lt"/>
-                        </a:rPr>
-                        <a:t>:</a:t>
-                      </a:r>
-                      <a:endParaRPr lang="en-ID" dirty="0">
-                        <a:solidFill>
-                          <a:sysClr val="windowText" lastClr="000000"/>
-                        </a:solidFill>
-                        <a:latin typeface="+mj-lt"/>
-                      </a:endParaRPr>
-                    </a:p>
-                  </a:txBody>
-                  <a:tcPr>
-                    <a:solidFill>
-                      <a:schemeClr val="bg1"/>
-                    </a:solidFill>
-                  </a:tcPr>
-                </a:tc>
-                <a:tc>
-                  <a:txBody>
-                    <a:bodyPr/>
-                    <a:lstStyle/>
-                    <a:p>
-                      <a:r>
-                        <a:rPr lang="en-US" dirty="0">
-                          <a:solidFill>
-                            <a:sysClr val="windowText" lastClr="000000"/>
-                          </a:solidFill>
-                          <a:latin typeface="+mj-lt"/>
-                        </a:rPr>
-                        <a:t>46, from year 2010 - 2021 with an exception only Q1 and Q2 in year 2021</a:t>
-                      </a:r>
-                      <a:endParaRPr lang="en-ID" dirty="0">
-                        <a:solidFill>
-                          <a:sysClr val="windowText" lastClr="000000"/>
-                        </a:solidFill>
-                        <a:latin typeface="+mj-lt"/>
-                      </a:endParaRPr>
-                    </a:p>
-                  </a:txBody>
-                  <a:tcPr>
-                    <a:solidFill>
-                      <a:schemeClr val="bg1"/>
-                    </a:solidFill>
-                  </a:tcPr>
-                </a:tc>
-                <a:extLst>
-                  <a:ext uri="{0D108BD9-81ED-4DB2-BD59-A6C34878D82A}">
-                    <a16:rowId xmlns:a16="http://schemas.microsoft.com/office/drawing/2014/main" val="3762280060"/>
-                  </a:ext>
-                </a:extLst>
-              </a:tr>
-              <a:tr h="204691">
-                <a:tc>
-                  <a:txBody>
-                    <a:bodyPr/>
-                    <a:lstStyle/>
-                    <a:p>
-                      <a:r>
-                        <a:rPr lang="en-ID" dirty="0">
-                          <a:solidFill>
-                            <a:sysClr val="windowText" lastClr="000000"/>
-                          </a:solidFill>
-                          <a:latin typeface="+mj-lt"/>
-                        </a:rPr>
-                        <a:t>Labels</a:t>
-                      </a:r>
-                    </a:p>
-                  </a:txBody>
-                  <a:tcPr>
-                    <a:solidFill>
-                      <a:schemeClr val="bg1"/>
-                    </a:solidFill>
-                  </a:tcPr>
-                </a:tc>
-                <a:tc>
-                  <a:txBody>
-                    <a:bodyPr/>
-                    <a:lstStyle/>
-                    <a:p>
-                      <a:r>
-                        <a:rPr lang="en-US" dirty="0">
-                          <a:solidFill>
-                            <a:sysClr val="windowText" lastClr="000000"/>
-                          </a:solidFill>
-                          <a:latin typeface="+mj-lt"/>
-                        </a:rPr>
-                        <a:t>:</a:t>
-                      </a:r>
-                      <a:endParaRPr lang="en-ID" dirty="0">
-                        <a:solidFill>
-                          <a:sysClr val="windowText" lastClr="000000"/>
-                        </a:solidFill>
-                        <a:latin typeface="+mj-lt"/>
-                      </a:endParaRPr>
-                    </a:p>
-                  </a:txBody>
-                  <a:tcPr>
-                    <a:solidFill>
-                      <a:schemeClr val="bg1"/>
-                    </a:solidFill>
-                  </a:tcPr>
-                </a:tc>
-                <a:tc>
-                  <a:txBody>
-                    <a:bodyPr/>
-                    <a:lstStyle/>
-                    <a:p>
-                      <a:r>
-                        <a:rPr lang="en-ID" dirty="0">
-                          <a:solidFill>
-                            <a:sysClr val="windowText" lastClr="000000"/>
-                          </a:solidFill>
-                          <a:latin typeface="+mj-lt"/>
-                        </a:rPr>
-                        <a:t>Vary (1000 - 3000 rows)</a:t>
-                      </a:r>
-                    </a:p>
-                  </a:txBody>
-                  <a:tcPr>
-                    <a:solidFill>
-                      <a:schemeClr val="bg1"/>
-                    </a:solidFill>
-                  </a:tcPr>
-                </a:tc>
-                <a:extLst>
-                  <a:ext uri="{0D108BD9-81ED-4DB2-BD59-A6C34878D82A}">
-                    <a16:rowId xmlns:a16="http://schemas.microsoft.com/office/drawing/2014/main" val="1522094164"/>
-                  </a:ext>
-                </a:extLst>
-              </a:tr>
-              <a:tr h="0">
-                <a:tc>
-                  <a:txBody>
-                    <a:bodyPr/>
-                    <a:lstStyle/>
-                    <a:p>
-                      <a:r>
-                        <a:rPr lang="en-ID" dirty="0">
-                          <a:solidFill>
-                            <a:sysClr val="windowText" lastClr="000000"/>
-                          </a:solidFill>
-                          <a:latin typeface="+mj-lt"/>
-                        </a:rPr>
-                        <a:t>Features</a:t>
-                      </a:r>
-                    </a:p>
-                  </a:txBody>
-                  <a:tcPr>
-                    <a:solidFill>
-                      <a:schemeClr val="bg1"/>
-                    </a:solidFill>
-                  </a:tcPr>
-                </a:tc>
-                <a:tc>
-                  <a:txBody>
-                    <a:bodyPr/>
-                    <a:lstStyle/>
-                    <a:p>
-                      <a:r>
-                        <a:rPr lang="en-US" dirty="0">
-                          <a:solidFill>
-                            <a:sysClr val="windowText" lastClr="000000"/>
-                          </a:solidFill>
-                          <a:latin typeface="+mj-lt"/>
-                        </a:rPr>
-                        <a:t>:</a:t>
-                      </a:r>
-                      <a:endParaRPr lang="en-ID" dirty="0">
-                        <a:solidFill>
-                          <a:sysClr val="windowText" lastClr="000000"/>
-                        </a:solidFill>
-                        <a:latin typeface="+mj-lt"/>
-                      </a:endParaRPr>
-                    </a:p>
-                  </a:txBody>
-                  <a:tcPr>
-                    <a:solidFill>
-                      <a:schemeClr val="bg1"/>
-                    </a:solidFill>
-                  </a:tcPr>
-                </a:tc>
-                <a:tc>
-                  <a:txBody>
-                    <a:bodyPr/>
-                    <a:lstStyle/>
-                    <a:p>
-                      <a:r>
-                        <a:rPr lang="en-ID" dirty="0">
-                          <a:solidFill>
-                            <a:sysClr val="windowText" lastClr="000000"/>
-                          </a:solidFill>
-                          <a:latin typeface="+mj-lt"/>
-                        </a:rPr>
-                        <a:t>7</a:t>
-                      </a:r>
-                    </a:p>
-                  </a:txBody>
-                  <a:tcPr>
-                    <a:solidFill>
-                      <a:schemeClr val="bg1"/>
-                    </a:solidFill>
-                  </a:tcPr>
-                </a:tc>
-                <a:extLst>
-                  <a:ext uri="{0D108BD9-81ED-4DB2-BD59-A6C34878D82A}">
-                    <a16:rowId xmlns:a16="http://schemas.microsoft.com/office/drawing/2014/main" val="1470457754"/>
-                  </a:ext>
-                </a:extLst>
-              </a:tr>
-            </a:tbl>
-          </a:graphicData>
-        </a:graphic>
-      </p:graphicFrame>
-      <p:graphicFrame>
-        <p:nvGraphicFramePr>
-          <p:cNvPr id="9" name="Table 6">
-            <a:extLst>
-              <a:ext uri="{FF2B5EF4-FFF2-40B4-BE49-F238E27FC236}">
-                <a16:creationId xmlns:a16="http://schemas.microsoft.com/office/drawing/2014/main" id="{5B100D98-FB7D-4DF7-ACED-835EF1E9083E}"/>
-              </a:ext>
-            </a:extLst>
-          </p:cNvPr>
-          <p:cNvGraphicFramePr>
-            <a:graphicFrameLocks noGrp="1"/>
-          </p:cNvGraphicFramePr>
-          <p:nvPr>
-            <p:extLst>
-              <p:ext uri="{D42A27DB-BD31-4B8C-83A1-F6EECF244321}">
-                <p14:modId xmlns:p14="http://schemas.microsoft.com/office/powerpoint/2010/main" val="1522828310"/>
-              </p:ext>
-            </p:extLst>
-          </p:nvPr>
-        </p:nvGraphicFramePr>
-        <p:xfrm>
-          <a:off x="1112938" y="3145162"/>
-          <a:ext cx="5493393" cy="3200142"/>
-        </p:xfrm>
-        <a:graphic>
-          <a:graphicData uri="http://schemas.openxmlformats.org/drawingml/2006/table">
-            <a:tbl>
-              <a:tblPr firstRow="1" bandRow="1">
-                <a:tableStyleId>{93296810-A885-4BE3-A3E7-6D5BEEA58F35}</a:tableStyleId>
-              </a:tblPr>
-              <a:tblGrid>
-                <a:gridCol w="1853968">
-                  <a:extLst>
-                    <a:ext uri="{9D8B030D-6E8A-4147-A177-3AD203B41FA5}">
-                      <a16:colId xmlns:a16="http://schemas.microsoft.com/office/drawing/2014/main" val="1762112370"/>
-                    </a:ext>
-                  </a:extLst>
-                </a:gridCol>
-                <a:gridCol w="208280">
-                  <a:extLst>
-                    <a:ext uri="{9D8B030D-6E8A-4147-A177-3AD203B41FA5}">
-                      <a16:colId xmlns:a16="http://schemas.microsoft.com/office/drawing/2014/main" val="2070358996"/>
-                    </a:ext>
-                  </a:extLst>
-                </a:gridCol>
-                <a:gridCol w="3431145">
-                  <a:extLst>
-                    <a:ext uri="{9D8B030D-6E8A-4147-A177-3AD203B41FA5}">
-                      <a16:colId xmlns:a16="http://schemas.microsoft.com/office/drawing/2014/main" val="2218567216"/>
-                    </a:ext>
-                  </a:extLst>
-                </a:gridCol>
-              </a:tblGrid>
-              <a:tr h="639822">
-                <a:tc>
-                  <a:txBody>
-                    <a:bodyPr/>
-                    <a:lstStyle/>
-                    <a:p>
-                      <a:r>
-                        <a:rPr lang="en-US" sz="3200" dirty="0">
-                          <a:solidFill>
-                            <a:sysClr val="windowText" lastClr="000000"/>
-                          </a:solidFill>
-                          <a:latin typeface="+mj-lt"/>
-                        </a:rPr>
-                        <a:t>Features</a:t>
-                      </a:r>
-                      <a:endParaRPr lang="en-ID" sz="3200" dirty="0">
-                        <a:solidFill>
-                          <a:sysClr val="windowText" lastClr="000000"/>
-                        </a:solidFill>
-                        <a:latin typeface="+mj-lt"/>
-                      </a:endParaRPr>
-                    </a:p>
-                  </a:txBody>
-                  <a:tcPr>
-                    <a:solidFill>
-                      <a:schemeClr val="bg1"/>
-                    </a:solidFill>
-                  </a:tcPr>
-                </a:tc>
-                <a:tc>
-                  <a:txBody>
-                    <a:bodyPr/>
-                    <a:lstStyle/>
-                    <a:p>
-                      <a:endParaRPr lang="en-ID" sz="3200" dirty="0">
-                        <a:solidFill>
-                          <a:sysClr val="windowText" lastClr="000000"/>
-                        </a:solidFill>
-                        <a:latin typeface="+mj-lt"/>
-                      </a:endParaRPr>
-                    </a:p>
-                  </a:txBody>
-                  <a:tcPr>
-                    <a:solidFill>
-                      <a:schemeClr val="bg1"/>
-                    </a:solidFill>
-                  </a:tcPr>
-                </a:tc>
-                <a:tc>
-                  <a:txBody>
-                    <a:bodyPr/>
-                    <a:lstStyle/>
-                    <a:p>
-                      <a:endParaRPr lang="en-ID" dirty="0">
-                        <a:solidFill>
-                          <a:sysClr val="windowText" lastClr="000000"/>
-                        </a:solidFill>
-                        <a:latin typeface="+mj-lt"/>
-                      </a:endParaRPr>
-                    </a:p>
-                  </a:txBody>
-                  <a:tcPr>
-                    <a:solidFill>
-                      <a:schemeClr val="bg1"/>
-                    </a:solidFill>
-                  </a:tcPr>
-                </a:tc>
-                <a:extLst>
-                  <a:ext uri="{0D108BD9-81ED-4DB2-BD59-A6C34878D82A}">
-                    <a16:rowId xmlns:a16="http://schemas.microsoft.com/office/drawing/2014/main" val="2213966227"/>
-                  </a:ext>
-                </a:extLst>
-              </a:tr>
-              <a:tr h="207466">
-                <a:tc>
-                  <a:txBody>
-                    <a:bodyPr/>
-                    <a:lstStyle/>
-                    <a:p>
-                      <a:r>
-                        <a:rPr lang="en-ID" sz="1800" b="0" kern="1200" dirty="0">
-                          <a:solidFill>
-                            <a:schemeClr val="dk1"/>
-                          </a:solidFill>
-                          <a:effectLst/>
-                          <a:latin typeface="+mj-lt"/>
-                        </a:rPr>
-                        <a:t>Date</a:t>
-                      </a:r>
-                      <a:endParaRPr lang="en-ID" dirty="0">
-                        <a:solidFill>
-                          <a:sysClr val="windowText" lastClr="000000"/>
-                        </a:solidFill>
-                        <a:latin typeface="+mj-lt"/>
-                      </a:endParaRPr>
-                    </a:p>
-                  </a:txBody>
-                  <a:tcPr>
-                    <a:solidFill>
-                      <a:schemeClr val="bg1"/>
-                    </a:solidFill>
-                  </a:tcPr>
-                </a:tc>
-                <a:tc>
-                  <a:txBody>
-                    <a:bodyPr/>
-                    <a:lstStyle/>
-                    <a:p>
-                      <a:r>
-                        <a:rPr lang="en-US" dirty="0">
-                          <a:solidFill>
-                            <a:sysClr val="windowText" lastClr="000000"/>
-                          </a:solidFill>
-                          <a:latin typeface="+mj-lt"/>
-                        </a:rPr>
-                        <a:t>:</a:t>
-                      </a:r>
-                      <a:endParaRPr lang="en-ID" dirty="0">
-                        <a:solidFill>
-                          <a:sysClr val="windowText" lastClr="000000"/>
-                        </a:solidFill>
-                        <a:latin typeface="+mj-lt"/>
-                      </a:endParaRPr>
-                    </a:p>
-                  </a:txBody>
-                  <a:tcPr>
-                    <a:solidFill>
-                      <a:schemeClr val="bg1"/>
-                    </a:solidFill>
-                  </a:tcPr>
-                </a:tc>
-                <a:tc>
-                  <a:txBody>
-                    <a:bodyPr/>
-                    <a:lstStyle/>
-                    <a:p>
-                      <a:r>
-                        <a:rPr lang="en-US" sz="1800" b="0" kern="1200" dirty="0">
-                          <a:solidFill>
-                            <a:schemeClr val="dk1"/>
-                          </a:solidFill>
-                          <a:effectLst/>
-                          <a:latin typeface="+mj-lt"/>
-                        </a:rPr>
-                        <a:t>The date of the sales (YY-mm-dd)</a:t>
-                      </a:r>
-                      <a:endParaRPr lang="en-ID" dirty="0">
-                        <a:solidFill>
-                          <a:sysClr val="windowText" lastClr="000000"/>
-                        </a:solidFill>
-                        <a:latin typeface="+mj-lt"/>
-                      </a:endParaRPr>
-                    </a:p>
-                  </a:txBody>
-                  <a:tcPr>
-                    <a:solidFill>
-                      <a:schemeClr val="bg1"/>
-                    </a:solidFill>
-                  </a:tcPr>
-                </a:tc>
-                <a:extLst>
-                  <a:ext uri="{0D108BD9-81ED-4DB2-BD59-A6C34878D82A}">
-                    <a16:rowId xmlns:a16="http://schemas.microsoft.com/office/drawing/2014/main" val="1054029128"/>
-                  </a:ext>
-                </a:extLst>
-              </a:tr>
-              <a:tr h="246635">
-                <a:tc>
-                  <a:txBody>
-                    <a:bodyPr/>
-                    <a:lstStyle/>
-                    <a:p>
-                      <a:r>
-                        <a:rPr lang="en-ID" dirty="0">
-                          <a:solidFill>
-                            <a:sysClr val="windowText" lastClr="000000"/>
-                          </a:solidFill>
-                          <a:latin typeface="+mj-lt"/>
-                        </a:rPr>
-                        <a:t>Category1</a:t>
-                      </a:r>
-                    </a:p>
-                  </a:txBody>
-                  <a:tcPr>
-                    <a:solidFill>
-                      <a:schemeClr val="bg1"/>
-                    </a:solidFill>
-                  </a:tcPr>
-                </a:tc>
-                <a:tc>
-                  <a:txBody>
-                    <a:bodyPr/>
-                    <a:lstStyle/>
-                    <a:p>
-                      <a:r>
-                        <a:rPr lang="en-US" dirty="0">
-                          <a:solidFill>
-                            <a:sysClr val="windowText" lastClr="000000"/>
-                          </a:solidFill>
-                          <a:latin typeface="+mj-lt"/>
-                        </a:rPr>
-                        <a:t>:</a:t>
-                      </a:r>
-                      <a:endParaRPr lang="en-ID" dirty="0">
-                        <a:solidFill>
-                          <a:sysClr val="windowText" lastClr="000000"/>
-                        </a:solidFill>
-                        <a:latin typeface="+mj-lt"/>
-                      </a:endParaRPr>
-                    </a:p>
-                  </a:txBody>
-                  <a:tcPr>
-                    <a:solidFill>
-                      <a:schemeClr val="bg1"/>
-                    </a:solidFill>
-                  </a:tcPr>
-                </a:tc>
-                <a:tc>
-                  <a:txBody>
-                    <a:bodyPr/>
-                    <a:lstStyle/>
-                    <a:p>
-                      <a:r>
-                        <a:rPr lang="en-US" sz="1800" b="0" kern="1200" dirty="0">
-                          <a:solidFill>
-                            <a:schemeClr val="dk1"/>
-                          </a:solidFill>
-                          <a:effectLst/>
-                          <a:latin typeface="+mj-lt"/>
-                        </a:rPr>
-                        <a:t>First word of the item category</a:t>
-                      </a:r>
-                      <a:endParaRPr lang="en-ID" dirty="0">
-                        <a:solidFill>
-                          <a:sysClr val="windowText" lastClr="000000"/>
-                        </a:solidFill>
-                        <a:latin typeface="+mj-lt"/>
-                      </a:endParaRPr>
-                    </a:p>
-                  </a:txBody>
-                  <a:tcPr>
-                    <a:solidFill>
-                      <a:schemeClr val="bg1"/>
-                    </a:solidFill>
-                  </a:tcPr>
-                </a:tc>
-                <a:extLst>
-                  <a:ext uri="{0D108BD9-81ED-4DB2-BD59-A6C34878D82A}">
-                    <a16:rowId xmlns:a16="http://schemas.microsoft.com/office/drawing/2014/main" val="3762280060"/>
-                  </a:ext>
-                </a:extLst>
-              </a:tr>
-              <a:tr h="246635">
-                <a:tc>
-                  <a:txBody>
-                    <a:bodyPr/>
-                    <a:lstStyle/>
-                    <a:p>
-                      <a:r>
-                        <a:rPr lang="en-US" dirty="0">
-                          <a:solidFill>
-                            <a:sysClr val="windowText" lastClr="000000"/>
-                          </a:solidFill>
-                          <a:latin typeface="+mj-lt"/>
-                        </a:rPr>
-                        <a:t>Category2</a:t>
-                      </a:r>
-                      <a:endParaRPr lang="en-ID" dirty="0">
-                        <a:solidFill>
-                          <a:sysClr val="windowText" lastClr="000000"/>
-                        </a:solidFill>
-                        <a:latin typeface="+mj-lt"/>
-                      </a:endParaRPr>
-                    </a:p>
-                  </a:txBody>
-                  <a:tcPr>
-                    <a:solidFill>
-                      <a:schemeClr val="bg1"/>
-                    </a:solidFill>
-                  </a:tcPr>
-                </a:tc>
-                <a:tc>
-                  <a:txBody>
-                    <a:bodyPr/>
-                    <a:lstStyle/>
-                    <a:p>
-                      <a:r>
-                        <a:rPr lang="en-US" dirty="0">
-                          <a:solidFill>
-                            <a:sysClr val="windowText" lastClr="000000"/>
-                          </a:solidFill>
-                          <a:latin typeface="+mj-lt"/>
-                        </a:rPr>
-                        <a:t>:</a:t>
-                      </a:r>
-                      <a:endParaRPr lang="en-ID" dirty="0">
-                        <a:solidFill>
-                          <a:sysClr val="windowText" lastClr="000000"/>
-                        </a:solidFill>
-                        <a:latin typeface="+mj-lt"/>
-                      </a:endParaRPr>
-                    </a:p>
-                  </a:txBody>
-                  <a:tcPr>
-                    <a:solidFill>
-                      <a:schemeClr val="bg1"/>
-                    </a:solidFill>
-                  </a:tcPr>
-                </a:tc>
-                <a:tc>
-                  <a:txBody>
-                    <a:bodyPr/>
-                    <a:lstStyle/>
-                    <a:p>
-                      <a:r>
-                        <a:rPr lang="en-US" sz="1800" b="0" kern="1200" dirty="0">
-                          <a:solidFill>
-                            <a:schemeClr val="dk1"/>
-                          </a:solidFill>
-                          <a:effectLst/>
-                          <a:latin typeface="+mj-lt"/>
-                        </a:rPr>
-                        <a:t>Second word of the item category</a:t>
-                      </a:r>
-                      <a:endParaRPr lang="en-ID" dirty="0">
-                        <a:solidFill>
-                          <a:sysClr val="windowText" lastClr="000000"/>
-                        </a:solidFill>
-                        <a:latin typeface="+mj-lt"/>
-                      </a:endParaRPr>
-                    </a:p>
-                  </a:txBody>
-                  <a:tcPr>
-                    <a:solidFill>
-                      <a:schemeClr val="bg1"/>
-                    </a:solidFill>
-                  </a:tcPr>
-                </a:tc>
-                <a:extLst>
-                  <a:ext uri="{0D108BD9-81ED-4DB2-BD59-A6C34878D82A}">
-                    <a16:rowId xmlns:a16="http://schemas.microsoft.com/office/drawing/2014/main" val="1557284281"/>
-                  </a:ext>
-                </a:extLst>
-              </a:tr>
-              <a:tr h="246635">
-                <a:tc>
-                  <a:txBody>
-                    <a:bodyPr/>
-                    <a:lstStyle/>
-                    <a:p>
-                      <a:r>
-                        <a:rPr lang="en-US" dirty="0">
-                          <a:solidFill>
-                            <a:sysClr val="windowText" lastClr="000000"/>
-                          </a:solidFill>
-                          <a:latin typeface="+mj-lt"/>
-                        </a:rPr>
-                        <a:t>Category3</a:t>
-                      </a:r>
-                      <a:endParaRPr lang="en-ID" dirty="0">
-                        <a:solidFill>
-                          <a:sysClr val="windowText" lastClr="000000"/>
-                        </a:solidFill>
-                        <a:latin typeface="+mj-lt"/>
-                      </a:endParaRPr>
-                    </a:p>
-                  </a:txBody>
-                  <a:tcPr>
-                    <a:solidFill>
-                      <a:schemeClr val="bg1"/>
-                    </a:solidFill>
-                  </a:tcPr>
-                </a:tc>
-                <a:tc>
-                  <a:txBody>
-                    <a:bodyPr/>
-                    <a:lstStyle/>
-                    <a:p>
-                      <a:r>
-                        <a:rPr lang="en-US" dirty="0">
-                          <a:solidFill>
-                            <a:sysClr val="windowText" lastClr="000000"/>
-                          </a:solidFill>
-                          <a:latin typeface="+mj-lt"/>
-                        </a:rPr>
-                        <a:t>:</a:t>
-                      </a:r>
-                      <a:endParaRPr lang="en-ID" dirty="0">
-                        <a:solidFill>
-                          <a:sysClr val="windowText" lastClr="000000"/>
-                        </a:solidFill>
-                        <a:latin typeface="+mj-lt"/>
-                      </a:endParaRPr>
-                    </a:p>
-                  </a:txBody>
-                  <a:tcPr>
-                    <a:solidFill>
-                      <a:schemeClr val="bg1"/>
-                    </a:solidFill>
-                  </a:tcPr>
-                </a:tc>
-                <a:tc>
-                  <a:txBody>
-                    <a:bodyPr/>
-                    <a:lstStyle/>
-                    <a:p>
-                      <a:r>
-                        <a:rPr lang="en-US" sz="1800" b="0" kern="1200" dirty="0">
-                          <a:solidFill>
-                            <a:schemeClr val="dk1"/>
-                          </a:solidFill>
-                          <a:effectLst/>
-                          <a:latin typeface="+mj-lt"/>
-                        </a:rPr>
-                        <a:t>Third word of the item category</a:t>
-                      </a:r>
-                      <a:endParaRPr lang="en-ID" dirty="0">
-                        <a:solidFill>
-                          <a:sysClr val="windowText" lastClr="000000"/>
-                        </a:solidFill>
-                        <a:latin typeface="+mj-lt"/>
-                      </a:endParaRPr>
-                    </a:p>
-                  </a:txBody>
-                  <a:tcPr>
-                    <a:solidFill>
-                      <a:schemeClr val="bg1"/>
-                    </a:solidFill>
-                  </a:tcPr>
-                </a:tc>
-                <a:extLst>
-                  <a:ext uri="{0D108BD9-81ED-4DB2-BD59-A6C34878D82A}">
-                    <a16:rowId xmlns:a16="http://schemas.microsoft.com/office/drawing/2014/main" val="3241955903"/>
-                  </a:ext>
-                </a:extLst>
-              </a:tr>
-              <a:tr h="204691">
-                <a:tc>
-                  <a:txBody>
-                    <a:bodyPr/>
-                    <a:lstStyle/>
-                    <a:p>
-                      <a:r>
-                        <a:rPr lang="en-ID" dirty="0">
-                          <a:solidFill>
-                            <a:sysClr val="windowText" lastClr="000000"/>
-                          </a:solidFill>
-                          <a:latin typeface="+mj-lt"/>
-                        </a:rPr>
-                        <a:t>Maker</a:t>
-                      </a:r>
-                    </a:p>
-                  </a:txBody>
-                  <a:tcPr>
-                    <a:solidFill>
-                      <a:schemeClr val="bg1"/>
-                    </a:solidFill>
-                  </a:tcPr>
-                </a:tc>
-                <a:tc>
-                  <a:txBody>
-                    <a:bodyPr/>
-                    <a:lstStyle/>
-                    <a:p>
-                      <a:r>
-                        <a:rPr lang="en-US" dirty="0">
-                          <a:solidFill>
-                            <a:sysClr val="windowText" lastClr="000000"/>
-                          </a:solidFill>
-                          <a:latin typeface="+mj-lt"/>
-                        </a:rPr>
-                        <a:t>:</a:t>
-                      </a:r>
-                      <a:endParaRPr lang="en-ID" dirty="0">
-                        <a:solidFill>
-                          <a:sysClr val="windowText" lastClr="000000"/>
-                        </a:solidFill>
-                        <a:latin typeface="+mj-lt"/>
-                      </a:endParaRPr>
-                    </a:p>
-                  </a:txBody>
-                  <a:tcPr>
-                    <a:solidFill>
-                      <a:schemeClr val="bg1"/>
-                    </a:solidFill>
-                  </a:tcPr>
-                </a:tc>
-                <a:tc>
-                  <a:txBody>
-                    <a:bodyPr/>
-                    <a:lstStyle/>
-                    <a:p>
-                      <a:r>
-                        <a:rPr lang="en-US" sz="1800" b="0" kern="1200" dirty="0">
-                          <a:solidFill>
-                            <a:schemeClr val="dk1"/>
-                          </a:solidFill>
-                          <a:effectLst/>
-                          <a:latin typeface="+mj-lt"/>
-                        </a:rPr>
-                        <a:t>The name of the item maker</a:t>
-                      </a:r>
-                      <a:endParaRPr lang="en-ID" dirty="0">
-                        <a:solidFill>
-                          <a:sysClr val="windowText" lastClr="000000"/>
-                        </a:solidFill>
-                        <a:latin typeface="+mj-lt"/>
-                      </a:endParaRPr>
-                    </a:p>
-                  </a:txBody>
-                  <a:tcPr>
-                    <a:solidFill>
-                      <a:schemeClr val="bg1"/>
-                    </a:solidFill>
-                  </a:tcPr>
-                </a:tc>
-                <a:extLst>
-                  <a:ext uri="{0D108BD9-81ED-4DB2-BD59-A6C34878D82A}">
-                    <a16:rowId xmlns:a16="http://schemas.microsoft.com/office/drawing/2014/main" val="1522094164"/>
-                  </a:ext>
-                </a:extLst>
-              </a:tr>
-              <a:tr h="0">
-                <a:tc>
-                  <a:txBody>
-                    <a:bodyPr/>
-                    <a:lstStyle/>
-                    <a:p>
-                      <a:r>
-                        <a:rPr lang="en-ID" dirty="0">
-                          <a:solidFill>
-                            <a:sysClr val="windowText" lastClr="000000"/>
-                          </a:solidFill>
-                          <a:latin typeface="+mj-lt"/>
-                        </a:rPr>
-                        <a:t>Sales</a:t>
-                      </a:r>
-                    </a:p>
-                  </a:txBody>
-                  <a:tcPr>
-                    <a:solidFill>
-                      <a:schemeClr val="bg1"/>
-                    </a:solidFill>
-                  </a:tcPr>
-                </a:tc>
-                <a:tc>
-                  <a:txBody>
-                    <a:bodyPr/>
-                    <a:lstStyle/>
-                    <a:p>
-                      <a:r>
-                        <a:rPr lang="en-US" dirty="0">
-                          <a:solidFill>
-                            <a:sysClr val="windowText" lastClr="000000"/>
-                          </a:solidFill>
-                          <a:latin typeface="+mj-lt"/>
-                        </a:rPr>
-                        <a:t>:</a:t>
-                      </a:r>
-                      <a:endParaRPr lang="en-ID" dirty="0">
-                        <a:solidFill>
-                          <a:sysClr val="windowText" lastClr="000000"/>
-                        </a:solidFill>
-                        <a:latin typeface="+mj-lt"/>
-                      </a:endParaRPr>
-                    </a:p>
-                  </a:txBody>
-                  <a:tcPr>
-                    <a:solidFill>
-                      <a:schemeClr val="bg1"/>
-                    </a:solidFill>
-                  </a:tcPr>
-                </a:tc>
-                <a:tc>
-                  <a:txBody>
-                    <a:bodyPr/>
-                    <a:lstStyle/>
-                    <a:p>
-                      <a:r>
-                        <a:rPr lang="en-ID" dirty="0">
-                          <a:solidFill>
-                            <a:sysClr val="windowText" lastClr="000000"/>
-                          </a:solidFill>
-                          <a:latin typeface="+mj-lt"/>
-                        </a:rPr>
-                        <a:t>Number of sales</a:t>
-                      </a:r>
-                    </a:p>
-                  </a:txBody>
-                  <a:tcPr>
-                    <a:solidFill>
-                      <a:schemeClr val="bg1"/>
-                    </a:solidFill>
-                  </a:tcPr>
-                </a:tc>
-                <a:extLst>
-                  <a:ext uri="{0D108BD9-81ED-4DB2-BD59-A6C34878D82A}">
-                    <a16:rowId xmlns:a16="http://schemas.microsoft.com/office/drawing/2014/main" val="1470457754"/>
-                  </a:ext>
-                </a:extLst>
-              </a:tr>
-              <a:tr h="0">
-                <a:tc>
-                  <a:txBody>
-                    <a:bodyPr/>
-                    <a:lstStyle/>
-                    <a:p>
-                      <a:r>
-                        <a:rPr lang="en-US" dirty="0">
-                          <a:solidFill>
-                            <a:sysClr val="windowText" lastClr="000000"/>
-                          </a:solidFill>
-                          <a:latin typeface="+mj-lt"/>
-                        </a:rPr>
-                        <a:t>Identifier</a:t>
-                      </a:r>
-                      <a:endParaRPr lang="en-ID" dirty="0">
-                        <a:solidFill>
-                          <a:sysClr val="windowText" lastClr="000000"/>
-                        </a:solidFill>
-                        <a:latin typeface="+mj-lt"/>
-                      </a:endParaRPr>
-                    </a:p>
-                  </a:txBody>
-                  <a:tcPr>
-                    <a:solidFill>
-                      <a:schemeClr val="bg1"/>
-                    </a:solidFill>
-                  </a:tcPr>
-                </a:tc>
-                <a:tc>
-                  <a:txBody>
-                    <a:bodyPr/>
-                    <a:lstStyle/>
-                    <a:p>
-                      <a:r>
-                        <a:rPr lang="en-US" dirty="0">
-                          <a:solidFill>
-                            <a:sysClr val="windowText" lastClr="000000"/>
-                          </a:solidFill>
-                          <a:latin typeface="+mj-lt"/>
-                        </a:rPr>
-                        <a:t>:</a:t>
-                      </a:r>
-                      <a:endParaRPr lang="en-ID" dirty="0">
-                        <a:solidFill>
-                          <a:sysClr val="windowText" lastClr="000000"/>
-                        </a:solidFill>
-                        <a:latin typeface="+mj-lt"/>
-                      </a:endParaRPr>
-                    </a:p>
-                  </a:txBody>
-                  <a:tcPr>
-                    <a:solidFill>
-                      <a:schemeClr val="bg1"/>
-                    </a:solidFill>
-                  </a:tcPr>
-                </a:tc>
-                <a:tc>
-                  <a:txBody>
-                    <a:bodyPr/>
-                    <a:lstStyle/>
-                    <a:p>
-                      <a:r>
-                        <a:rPr lang="en-ID" sz="1800" b="0" kern="1200" dirty="0">
-                          <a:solidFill>
-                            <a:schemeClr val="dk1"/>
-                          </a:solidFill>
-                          <a:effectLst/>
-                          <a:latin typeface="+mj-lt"/>
-                        </a:rPr>
-                        <a:t>Item ID</a:t>
-                      </a:r>
-                      <a:endParaRPr lang="en-ID" dirty="0">
-                        <a:solidFill>
-                          <a:sysClr val="windowText" lastClr="000000"/>
-                        </a:solidFill>
-                        <a:latin typeface="+mj-lt"/>
-                      </a:endParaRPr>
-                    </a:p>
-                  </a:txBody>
-                  <a:tcPr>
-                    <a:solidFill>
-                      <a:schemeClr val="bg1"/>
-                    </a:solidFill>
-                  </a:tcPr>
-                </a:tc>
-                <a:extLst>
-                  <a:ext uri="{0D108BD9-81ED-4DB2-BD59-A6C34878D82A}">
-                    <a16:rowId xmlns:a16="http://schemas.microsoft.com/office/drawing/2014/main" val="3280024257"/>
-                  </a:ext>
-                </a:extLst>
-              </a:tr>
-            </a:tbl>
-          </a:graphicData>
-        </a:graphic>
-      </p:graphicFrame>
+      <p:sp>
+        <p:nvSpPr>
+          <p:cNvPr id="2" name="TextBox 1">
+            <a:extLst>
+              <a:ext uri="{FF2B5EF4-FFF2-40B4-BE49-F238E27FC236}">
+                <a16:creationId xmlns:a16="http://schemas.microsoft.com/office/drawing/2014/main" id="{5092F770-0272-41B4-A798-368A93C2D256}"/>
+              </a:ext>
+            </a:extLst>
+          </p:cNvPr>
+          <p:cNvSpPr txBox="1"/>
+          <p:nvPr/>
+        </p:nvSpPr>
+        <p:spPr>
+          <a:xfrm>
+            <a:off x="1184411" y="973123"/>
+            <a:ext cx="9872280" cy="1969770"/>
+          </a:xfrm>
+          <a:prstGeom prst="rect">
+            <a:avLst/>
+          </a:prstGeom>
+          <a:noFill/>
+        </p:spPr>
+        <p:txBody>
+          <a:bodyPr wrap="square" rtlCol="0">
+            <a:spAutoFit/>
+          </a:bodyPr>
+          <a:lstStyle/>
+          <a:p>
+            <a:r>
+              <a:rPr lang="en-US" sz="3200" b="1" dirty="0">
+                <a:latin typeface="+mj-lt"/>
+              </a:rPr>
+              <a:t>Data</a:t>
+            </a:r>
+          </a:p>
+          <a:p>
+            <a:endParaRPr lang="en-US" dirty="0">
+              <a:latin typeface="+mj-lt"/>
+            </a:endParaRPr>
+          </a:p>
+          <a:p>
+            <a:r>
+              <a:rPr lang="en-US" dirty="0">
+                <a:latin typeface="+mj-lt"/>
+              </a:rPr>
+              <a:t>File name format	: </a:t>
+            </a:r>
+            <a:r>
+              <a:rPr lang="en-US" dirty="0">
+                <a:solidFill>
+                  <a:sysClr val="windowText" lastClr="000000"/>
+                </a:solidFill>
+                <a:latin typeface="+mj-lt"/>
+              </a:rPr>
+              <a:t>Year + Quarter. e.g. 2010Q1 is first quarter in year 2010. The files are in CSV format</a:t>
+            </a:r>
+            <a:endParaRPr lang="en-US" dirty="0">
+              <a:latin typeface="+mj-lt"/>
+            </a:endParaRPr>
+          </a:p>
+          <a:p>
+            <a:r>
+              <a:rPr lang="en-ID" dirty="0">
+                <a:latin typeface="+mj-lt"/>
+              </a:rPr>
+              <a:t>Total dataset	: </a:t>
+            </a:r>
+            <a:r>
+              <a:rPr lang="en-US" dirty="0">
+                <a:solidFill>
+                  <a:sysClr val="windowText" lastClr="000000"/>
+                </a:solidFill>
+                <a:latin typeface="+mj-lt"/>
+              </a:rPr>
+              <a:t>46, from year 2010 - 2021 with an exception only Q1 and Q2 in year 2021</a:t>
+            </a:r>
+            <a:endParaRPr lang="en-ID" dirty="0">
+              <a:latin typeface="+mj-lt"/>
+            </a:endParaRPr>
+          </a:p>
+          <a:p>
+            <a:r>
+              <a:rPr lang="en-ID" dirty="0">
+                <a:latin typeface="+mj-lt"/>
+              </a:rPr>
+              <a:t>Labels		: </a:t>
+            </a:r>
+            <a:r>
+              <a:rPr lang="en-ID" dirty="0">
+                <a:solidFill>
+                  <a:sysClr val="windowText" lastClr="000000"/>
+                </a:solidFill>
+                <a:latin typeface="+mj-lt"/>
+              </a:rPr>
+              <a:t>Vary (1000 - 3000 rows)</a:t>
+            </a:r>
+            <a:endParaRPr lang="en-ID" dirty="0">
+              <a:latin typeface="+mj-lt"/>
+            </a:endParaRPr>
+          </a:p>
+          <a:p>
+            <a:r>
+              <a:rPr lang="en-ID" dirty="0">
+                <a:latin typeface="+mj-lt"/>
+              </a:rPr>
+              <a:t>Features		: 7</a:t>
+            </a:r>
+          </a:p>
+        </p:txBody>
+      </p:sp>
+      <p:sp>
+        <p:nvSpPr>
+          <p:cNvPr id="5" name="TextBox 4">
+            <a:extLst>
+              <a:ext uri="{FF2B5EF4-FFF2-40B4-BE49-F238E27FC236}">
+                <a16:creationId xmlns:a16="http://schemas.microsoft.com/office/drawing/2014/main" id="{86913029-FE70-4977-8FF7-F912C40DF332}"/>
+              </a:ext>
+            </a:extLst>
+          </p:cNvPr>
+          <p:cNvSpPr txBox="1"/>
+          <p:nvPr/>
+        </p:nvSpPr>
+        <p:spPr>
+          <a:xfrm>
+            <a:off x="1184410" y="3204012"/>
+            <a:ext cx="9872280" cy="2800767"/>
+          </a:xfrm>
+          <a:prstGeom prst="rect">
+            <a:avLst/>
+          </a:prstGeom>
+          <a:noFill/>
+        </p:spPr>
+        <p:txBody>
+          <a:bodyPr wrap="square" rtlCol="0">
+            <a:spAutoFit/>
+          </a:bodyPr>
+          <a:lstStyle/>
+          <a:p>
+            <a:r>
+              <a:rPr lang="en-US" sz="3200" b="1" dirty="0">
+                <a:latin typeface="+mj-lt"/>
+              </a:rPr>
+              <a:t>Features</a:t>
+            </a:r>
+          </a:p>
+          <a:p>
+            <a:endParaRPr lang="en-US" dirty="0">
+              <a:latin typeface="+mj-lt"/>
+            </a:endParaRPr>
+          </a:p>
+          <a:p>
+            <a:r>
+              <a:rPr lang="en-US" dirty="0">
+                <a:latin typeface="+mj-lt"/>
+              </a:rPr>
+              <a:t>Date		: </a:t>
+            </a:r>
+            <a:r>
+              <a:rPr lang="en-US" sz="1800" b="0" kern="1200" dirty="0">
+                <a:solidFill>
+                  <a:schemeClr val="dk1"/>
+                </a:solidFill>
+                <a:effectLst/>
+                <a:latin typeface="+mj-lt"/>
+              </a:rPr>
+              <a:t>The date of the sales (YY-mm-dd)</a:t>
+            </a:r>
+            <a:endParaRPr lang="en-US" dirty="0">
+              <a:latin typeface="+mj-lt"/>
+            </a:endParaRPr>
+          </a:p>
+          <a:p>
+            <a:r>
+              <a:rPr lang="en-US" dirty="0">
+                <a:latin typeface="+mj-lt"/>
+              </a:rPr>
+              <a:t>Category1	: </a:t>
+            </a:r>
+            <a:r>
+              <a:rPr lang="en-US" sz="1800" b="0" kern="1200" dirty="0">
+                <a:solidFill>
+                  <a:schemeClr val="dk1"/>
+                </a:solidFill>
+                <a:effectLst/>
+                <a:latin typeface="+mj-lt"/>
+              </a:rPr>
+              <a:t>First word of the item category</a:t>
+            </a:r>
+            <a:endParaRPr lang="en-US" dirty="0">
+              <a:latin typeface="+mj-lt"/>
+            </a:endParaRPr>
+          </a:p>
+          <a:p>
+            <a:r>
+              <a:rPr lang="en-US" dirty="0">
+                <a:latin typeface="+mj-lt"/>
+              </a:rPr>
+              <a:t>Category2	: </a:t>
+            </a:r>
+            <a:r>
+              <a:rPr lang="en-US" dirty="0">
+                <a:solidFill>
+                  <a:schemeClr val="dk1"/>
+                </a:solidFill>
+                <a:latin typeface="+mj-lt"/>
+              </a:rPr>
+              <a:t>Second </a:t>
+            </a:r>
+            <a:r>
+              <a:rPr lang="en-US" sz="1800" b="0" kern="1200" dirty="0">
+                <a:solidFill>
+                  <a:schemeClr val="dk1"/>
+                </a:solidFill>
+                <a:effectLst/>
+                <a:latin typeface="+mj-lt"/>
+              </a:rPr>
+              <a:t>word of the item category</a:t>
+            </a:r>
+            <a:endParaRPr lang="en-US" dirty="0">
+              <a:latin typeface="+mj-lt"/>
+            </a:endParaRPr>
+          </a:p>
+          <a:p>
+            <a:r>
+              <a:rPr lang="en-US" dirty="0">
+                <a:latin typeface="+mj-lt"/>
+              </a:rPr>
+              <a:t>Category3	: </a:t>
+            </a:r>
+            <a:r>
+              <a:rPr lang="en-US" sz="1800" b="0" kern="1200" dirty="0">
+                <a:solidFill>
+                  <a:schemeClr val="dk1"/>
+                </a:solidFill>
+                <a:effectLst/>
+                <a:latin typeface="+mj-lt"/>
+              </a:rPr>
+              <a:t>Third word of the item category</a:t>
+            </a:r>
+            <a:endParaRPr lang="en-US" dirty="0">
+              <a:latin typeface="+mj-lt"/>
+            </a:endParaRPr>
+          </a:p>
+          <a:p>
+            <a:r>
+              <a:rPr lang="en-US" dirty="0">
+                <a:latin typeface="+mj-lt"/>
+              </a:rPr>
+              <a:t>Maker		: </a:t>
+            </a:r>
+            <a:r>
+              <a:rPr lang="en-US" sz="1800" b="0" kern="1200" dirty="0">
+                <a:solidFill>
+                  <a:schemeClr val="dk1"/>
+                </a:solidFill>
+                <a:effectLst/>
+                <a:latin typeface="+mj-lt"/>
+              </a:rPr>
+              <a:t>The name of the item maker</a:t>
+            </a:r>
+            <a:endParaRPr lang="en-US" dirty="0">
+              <a:latin typeface="+mj-lt"/>
+            </a:endParaRPr>
+          </a:p>
+          <a:p>
+            <a:r>
+              <a:rPr lang="en-US" dirty="0">
+                <a:latin typeface="+mj-lt"/>
+              </a:rPr>
+              <a:t>Sales		: Number of sales</a:t>
+            </a:r>
+          </a:p>
+          <a:p>
+            <a:r>
+              <a:rPr lang="en-US" dirty="0">
+                <a:latin typeface="+mj-lt"/>
+              </a:rPr>
+              <a:t>Identifier		: Item ID</a:t>
+            </a:r>
+          </a:p>
+        </p:txBody>
+      </p:sp>
     </p:spTree>
     <p:extLst>
       <p:ext uri="{BB962C8B-B14F-4D97-AF65-F5344CB8AC3E}">
-        <p14:creationId xmlns:p14="http://schemas.microsoft.com/office/powerpoint/2010/main" val="389492008"/>
+        <p14:creationId xmlns:p14="http://schemas.microsoft.com/office/powerpoint/2010/main" val="2187878028"/>
+      </p:ext>
+    </p:extLst>
+  </p:cSld>
+  <p:clrMapOvr>
+    <a:masterClrMapping/>
+  </p:clrMapOvr>
+</p:sld>
+</file>
+
+<file path=ppt/slides/slide20.xml><?xml version="1.0" encoding="utf-8"?>
+<p:sld xmlns:a="http://schemas.openxmlformats.org/drawingml/2006/main" xmlns:r="http://schemas.openxmlformats.org/officeDocument/2006/relationships" xmlns:p="http://schemas.openxmlformats.org/presentationml/2006/main">
+  <p:cSld>
+    <p:spTree>
+      <p:nvGrpSpPr>
+        <p:cNvPr id="1" name=""/>
+        <p:cNvGrpSpPr/>
+        <p:nvPr/>
+      </p:nvGrpSpPr>
+      <p:grpSpPr>
+        <a:xfrm>
+          <a:off x="0" y="0"/>
+          <a:ext cx="0" cy="0"/>
+          <a:chOff x="0" y="0"/>
+          <a:chExt cx="0" cy="0"/>
+        </a:xfrm>
+      </p:grpSpPr>
+      <p:sp>
+        <p:nvSpPr>
+          <p:cNvPr id="2" name="Title 1">
+            <a:extLst>
+              <a:ext uri="{FF2B5EF4-FFF2-40B4-BE49-F238E27FC236}">
+                <a16:creationId xmlns:a16="http://schemas.microsoft.com/office/drawing/2014/main" id="{6AE09562-07B8-4590-8836-83EDD9DD73EC}"/>
+              </a:ext>
+            </a:extLst>
+          </p:cNvPr>
+          <p:cNvSpPr>
+            <a:spLocks noGrp="1"/>
+          </p:cNvSpPr>
+          <p:nvPr>
+            <p:ph type="ctrTitle"/>
+          </p:nvPr>
+        </p:nvSpPr>
+        <p:spPr/>
+        <p:txBody>
+          <a:bodyPr/>
+          <a:lstStyle/>
+          <a:p>
+            <a:r>
+              <a:rPr lang="en-US" b="1" dirty="0"/>
+              <a:t>Thank You</a:t>
+            </a:r>
+            <a:endParaRPr lang="en-ID" b="1" dirty="0"/>
+          </a:p>
+        </p:txBody>
+      </p:sp>
+      <p:sp>
+        <p:nvSpPr>
+          <p:cNvPr id="3" name="Subtitle 2">
+            <a:extLst>
+              <a:ext uri="{FF2B5EF4-FFF2-40B4-BE49-F238E27FC236}">
+                <a16:creationId xmlns:a16="http://schemas.microsoft.com/office/drawing/2014/main" id="{C266DD4D-1D6D-4544-83AF-DFF15609C68F}"/>
+              </a:ext>
+            </a:extLst>
+          </p:cNvPr>
+          <p:cNvSpPr>
+            <a:spLocks noGrp="1"/>
+          </p:cNvSpPr>
+          <p:nvPr>
+            <p:ph type="subTitle" idx="1"/>
+          </p:nvPr>
+        </p:nvSpPr>
+        <p:spPr/>
+        <p:txBody>
+          <a:bodyPr/>
+          <a:lstStyle/>
+          <a:p>
+            <a:r>
+              <a:rPr lang="en-US" dirty="0">
+                <a:latin typeface="+mj-lt"/>
+              </a:rPr>
+              <a:t>By Jafar Shodiq</a:t>
+            </a:r>
+            <a:endParaRPr lang="en-ID" dirty="0">
+              <a:latin typeface="+mj-lt"/>
+            </a:endParaRPr>
+          </a:p>
+        </p:txBody>
+      </p:sp>
+    </p:spTree>
+    <p:extLst>
+      <p:ext uri="{BB962C8B-B14F-4D97-AF65-F5344CB8AC3E}">
+        <p14:creationId xmlns:p14="http://schemas.microsoft.com/office/powerpoint/2010/main" val="1016543077"/>
       </p:ext>
     </p:extLst>
   </p:cSld>
@@ -5642,7 +5969,7 @@
         </p:nvSpPr>
         <p:spPr>
           <a:xfrm>
-            <a:off x="1184410" y="620785"/>
+            <a:off x="1184410" y="1065402"/>
             <a:ext cx="3479735" cy="1692771"/>
           </a:xfrm>
           <a:prstGeom prst="rect">
@@ -5660,7 +5987,7 @@
               <a:rPr lang="en-US" sz="3200" b="1" dirty="0">
                 <a:latin typeface="+mj-lt"/>
               </a:rPr>
-              <a:t>Objective(s)</a:t>
+              <a:t>Objectives</a:t>
             </a:r>
           </a:p>
           <a:p>
@@ -5720,7 +6047,7 @@
         </p:nvSpPr>
         <p:spPr>
           <a:xfrm>
-            <a:off x="1184410" y="2484539"/>
+            <a:off x="1184410" y="2929156"/>
             <a:ext cx="5483361" cy="1415772"/>
           </a:xfrm>
           <a:prstGeom prst="rect">
@@ -5738,7 +6065,7 @@
               <a:rPr lang="en-US" sz="3200" b="1" dirty="0">
                 <a:latin typeface="+mj-lt"/>
               </a:rPr>
-              <a:t>Additional Note(s)</a:t>
+              <a:t>Additional Notes</a:t>
             </a:r>
           </a:p>
           <a:p>
